--- a/INFO-G1-presentation.pptx
+++ b/INFO-G1-presentation.pptx
@@ -3,9 +3,17 @@
 <p:presentation xmlns:a="http://schemas.openxmlformats.org/drawingml/2006/main" xmlns:p="http://schemas.openxmlformats.org/presentationml/2006/main" xmlns:r="http://schemas.openxmlformats.org/officeDocument/2006/relationships" xmlns:p14="http://schemas.microsoft.com/office/powerpoint/2010/main" xmlns:p15="http://schemas.microsoft.com/office/powerpoint/2012/main" xmlns:mc="http://schemas.openxmlformats.org/markup-compatibility/2006">
   <p:sldMasterIdLst>
     <p:sldMasterId id="2147483648" r:id="rId2"/>
+    <p:sldMasterId id="2147483661" r:id="rId3"/>
   </p:sldMasterIdLst>
   <p:sldIdLst>
-    <p:sldId id="256" r:id="rId3"/>
+    <p:sldId id="256" r:id="rId4"/>
+    <p:sldId id="257" r:id="rId5"/>
+    <p:sldId id="258" r:id="rId6"/>
+    <p:sldId id="259" r:id="rId7"/>
+    <p:sldId id="260" r:id="rId8"/>
+    <p:sldId id="261" r:id="rId9"/>
+    <p:sldId id="262" r:id="rId10"/>
+    <p:sldId id="263" r:id="rId11"/>
   </p:sldIdLst>
   <p:sldSz cx="10080625" cy="5670550"/>
   <p:notesSz cx="7559675" cy="10691812"/>
@@ -63,8 +71,8 @@
         </p:nvSpPr>
         <p:spPr>
           <a:xfrm>
-            <a:off x="504000" y="226080"/>
-            <a:ext cx="9071640" cy="946440"/>
+            <a:off x="360000" y="226080"/>
+            <a:ext cx="9360720" cy="718920"/>
           </a:xfrm>
           <a:prstGeom prst="rect">
             <a:avLst/>
@@ -72,12 +80,14 @@
         </p:spPr>
         <p:txBody>
           <a:bodyPr lIns="0" rIns="0" tIns="0" bIns="0" anchor="ctr">
-            <a:spAutoFit/>
-          </a:bodyPr>
-          <a:p>
-            <a:pPr algn="ctr"/>
-            <a:endParaRPr b="0" lang="fr-FR" sz="4400" spc="-1" strike="noStrike">
-              <a:latin typeface="Arial"/>
+            <a:noAutofit/>
+          </a:bodyPr>
+          <a:p>
+            <a:endParaRPr b="1" lang="fr-FR" sz="2700" spc="-1" strike="noStrike">
+              <a:solidFill>
+                <a:srgbClr val="ffffff"/>
+              </a:solidFill>
+              <a:latin typeface="Source Sans Pro Black"/>
             </a:endParaRPr>
           </a:p>
         </p:txBody>
@@ -94,8 +104,8 @@
         </p:nvSpPr>
         <p:spPr>
           <a:xfrm>
-            <a:off x="504000" y="1326600"/>
-            <a:ext cx="9071640" cy="1568160"/>
+            <a:off x="360000" y="1485000"/>
+            <a:ext cx="9360720" cy="1802880"/>
           </a:xfrm>
           <a:prstGeom prst="rect">
             <a:avLst/>
@@ -106,8 +116,11 @@
             <a:normAutofit/>
           </a:bodyPr>
           <a:p>
-            <a:endParaRPr b="0" lang="fr-FR" sz="3200" spc="-1" strike="noStrike">
-              <a:latin typeface="Arial"/>
+            <a:endParaRPr b="1" lang="fr-FR" sz="2400" spc="-1" strike="noStrike">
+              <a:solidFill>
+                <a:srgbClr val="2c3e50"/>
+              </a:solidFill>
+              <a:latin typeface="Source Sans Pro Semibold"/>
             </a:endParaRPr>
           </a:p>
         </p:txBody>
@@ -124,8 +137,8 @@
         </p:nvSpPr>
         <p:spPr>
           <a:xfrm>
-            <a:off x="504000" y="3044160"/>
-            <a:ext cx="9071640" cy="1568160"/>
+            <a:off x="360000" y="3459600"/>
+            <a:ext cx="9360720" cy="1802880"/>
           </a:xfrm>
           <a:prstGeom prst="rect">
             <a:avLst/>
@@ -136,8 +149,11 @@
             <a:normAutofit/>
           </a:bodyPr>
           <a:p>
-            <a:endParaRPr b="0" lang="fr-FR" sz="3200" spc="-1" strike="noStrike">
-              <a:latin typeface="Arial"/>
+            <a:endParaRPr b="1" lang="fr-FR" sz="2400" spc="-1" strike="noStrike">
+              <a:solidFill>
+                <a:srgbClr val="2c3e50"/>
+              </a:solidFill>
+              <a:latin typeface="Source Sans Pro Semibold"/>
             </a:endParaRPr>
           </a:p>
         </p:txBody>
@@ -176,8 +192,8 @@
         </p:nvSpPr>
         <p:spPr>
           <a:xfrm>
-            <a:off x="504000" y="226080"/>
-            <a:ext cx="9071640" cy="946440"/>
+            <a:off x="360000" y="226080"/>
+            <a:ext cx="9360720" cy="718920"/>
           </a:xfrm>
           <a:prstGeom prst="rect">
             <a:avLst/>
@@ -185,12 +201,14 @@
         </p:spPr>
         <p:txBody>
           <a:bodyPr lIns="0" rIns="0" tIns="0" bIns="0" anchor="ctr">
-            <a:spAutoFit/>
-          </a:bodyPr>
-          <a:p>
-            <a:pPr algn="ctr"/>
-            <a:endParaRPr b="0" lang="fr-FR" sz="4400" spc="-1" strike="noStrike">
-              <a:latin typeface="Arial"/>
+            <a:noAutofit/>
+          </a:bodyPr>
+          <a:p>
+            <a:endParaRPr b="1" lang="fr-FR" sz="2700" spc="-1" strike="noStrike">
+              <a:solidFill>
+                <a:srgbClr val="ffffff"/>
+              </a:solidFill>
+              <a:latin typeface="Source Sans Pro Black"/>
             </a:endParaRPr>
           </a:p>
         </p:txBody>
@@ -207,8 +225,8 @@
         </p:nvSpPr>
         <p:spPr>
           <a:xfrm>
-            <a:off x="504000" y="1326600"/>
-            <a:ext cx="4426920" cy="1568160"/>
+            <a:off x="360000" y="1485000"/>
+            <a:ext cx="4567680" cy="1802880"/>
           </a:xfrm>
           <a:prstGeom prst="rect">
             <a:avLst/>
@@ -219,8 +237,11 @@
             <a:normAutofit/>
           </a:bodyPr>
           <a:p>
-            <a:endParaRPr b="0" lang="fr-FR" sz="3200" spc="-1" strike="noStrike">
-              <a:latin typeface="Arial"/>
+            <a:endParaRPr b="1" lang="fr-FR" sz="2400" spc="-1" strike="noStrike">
+              <a:solidFill>
+                <a:srgbClr val="2c3e50"/>
+              </a:solidFill>
+              <a:latin typeface="Source Sans Pro Semibold"/>
             </a:endParaRPr>
           </a:p>
         </p:txBody>
@@ -237,8 +258,8 @@
         </p:nvSpPr>
         <p:spPr>
           <a:xfrm>
-            <a:off x="5152680" y="1326600"/>
-            <a:ext cx="4426920" cy="1568160"/>
+            <a:off x="5156280" y="1485000"/>
+            <a:ext cx="4567680" cy="1802880"/>
           </a:xfrm>
           <a:prstGeom prst="rect">
             <a:avLst/>
@@ -249,8 +270,11 @@
             <a:normAutofit/>
           </a:bodyPr>
           <a:p>
-            <a:endParaRPr b="0" lang="fr-FR" sz="3200" spc="-1" strike="noStrike">
-              <a:latin typeface="Arial"/>
+            <a:endParaRPr b="1" lang="fr-FR" sz="2400" spc="-1" strike="noStrike">
+              <a:solidFill>
+                <a:srgbClr val="2c3e50"/>
+              </a:solidFill>
+              <a:latin typeface="Source Sans Pro Semibold"/>
             </a:endParaRPr>
           </a:p>
         </p:txBody>
@@ -267,8 +291,8 @@
         </p:nvSpPr>
         <p:spPr>
           <a:xfrm>
-            <a:off x="504000" y="3044160"/>
-            <a:ext cx="4426920" cy="1568160"/>
+            <a:off x="360000" y="3459600"/>
+            <a:ext cx="4567680" cy="1802880"/>
           </a:xfrm>
           <a:prstGeom prst="rect">
             <a:avLst/>
@@ -279,8 +303,11 @@
             <a:normAutofit/>
           </a:bodyPr>
           <a:p>
-            <a:endParaRPr b="0" lang="fr-FR" sz="3200" spc="-1" strike="noStrike">
-              <a:latin typeface="Arial"/>
+            <a:endParaRPr b="1" lang="fr-FR" sz="2400" spc="-1" strike="noStrike">
+              <a:solidFill>
+                <a:srgbClr val="2c3e50"/>
+              </a:solidFill>
+              <a:latin typeface="Source Sans Pro Semibold"/>
             </a:endParaRPr>
           </a:p>
         </p:txBody>
@@ -297,8 +324,8 @@
         </p:nvSpPr>
         <p:spPr>
           <a:xfrm>
-            <a:off x="5152680" y="3044160"/>
-            <a:ext cx="4426920" cy="1568160"/>
+            <a:off x="5156280" y="3459600"/>
+            <a:ext cx="4567680" cy="1802880"/>
           </a:xfrm>
           <a:prstGeom prst="rect">
             <a:avLst/>
@@ -309,8 +336,11 @@
             <a:normAutofit/>
           </a:bodyPr>
           <a:p>
-            <a:endParaRPr b="0" lang="fr-FR" sz="3200" spc="-1" strike="noStrike">
-              <a:latin typeface="Arial"/>
+            <a:endParaRPr b="1" lang="fr-FR" sz="2400" spc="-1" strike="noStrike">
+              <a:solidFill>
+                <a:srgbClr val="2c3e50"/>
+              </a:solidFill>
+              <a:latin typeface="Source Sans Pro Semibold"/>
             </a:endParaRPr>
           </a:p>
         </p:txBody>
@@ -349,8 +379,316 @@
         </p:nvSpPr>
         <p:spPr>
           <a:xfrm>
-            <a:off x="504000" y="226080"/>
-            <a:ext cx="9071640" cy="946440"/>
+            <a:off x="360000" y="226080"/>
+            <a:ext cx="9360720" cy="718920"/>
+          </a:xfrm>
+          <a:prstGeom prst="rect">
+            <a:avLst/>
+          </a:prstGeom>
+        </p:spPr>
+        <p:txBody>
+          <a:bodyPr lIns="0" rIns="0" tIns="0" bIns="0" anchor="ctr">
+            <a:noAutofit/>
+          </a:bodyPr>
+          <a:p>
+            <a:endParaRPr b="1" lang="fr-FR" sz="2700" spc="-1" strike="noStrike">
+              <a:solidFill>
+                <a:srgbClr val="ffffff"/>
+              </a:solidFill>
+              <a:latin typeface="Source Sans Pro Black"/>
+            </a:endParaRPr>
+          </a:p>
+        </p:txBody>
+      </p:sp>
+      <p:sp>
+        <p:nvSpPr>
+          <p:cNvPr id="32" name="PlaceHolder 2"/>
+          <p:cNvSpPr>
+            <a:spLocks noGrp="1"/>
+          </p:cNvSpPr>
+          <p:nvPr>
+            <p:ph type="body"/>
+          </p:nvPr>
+        </p:nvSpPr>
+        <p:spPr>
+          <a:xfrm>
+            <a:off x="360000" y="1485000"/>
+            <a:ext cx="3013920" cy="1802880"/>
+          </a:xfrm>
+          <a:prstGeom prst="rect">
+            <a:avLst/>
+          </a:prstGeom>
+        </p:spPr>
+        <p:txBody>
+          <a:bodyPr lIns="0" rIns="0" tIns="0" bIns="0">
+            <a:normAutofit/>
+          </a:bodyPr>
+          <a:p>
+            <a:endParaRPr b="1" lang="fr-FR" sz="2400" spc="-1" strike="noStrike">
+              <a:solidFill>
+                <a:srgbClr val="2c3e50"/>
+              </a:solidFill>
+              <a:latin typeface="Source Sans Pro Semibold"/>
+            </a:endParaRPr>
+          </a:p>
+        </p:txBody>
+      </p:sp>
+      <p:sp>
+        <p:nvSpPr>
+          <p:cNvPr id="33" name="PlaceHolder 3"/>
+          <p:cNvSpPr>
+            <a:spLocks noGrp="1"/>
+          </p:cNvSpPr>
+          <p:nvPr>
+            <p:ph type="body"/>
+          </p:nvPr>
+        </p:nvSpPr>
+        <p:spPr>
+          <a:xfrm>
+            <a:off x="3525120" y="1485000"/>
+            <a:ext cx="3013920" cy="1802880"/>
+          </a:xfrm>
+          <a:prstGeom prst="rect">
+            <a:avLst/>
+          </a:prstGeom>
+        </p:spPr>
+        <p:txBody>
+          <a:bodyPr lIns="0" rIns="0" tIns="0" bIns="0">
+            <a:normAutofit/>
+          </a:bodyPr>
+          <a:p>
+            <a:endParaRPr b="1" lang="fr-FR" sz="2400" spc="-1" strike="noStrike">
+              <a:solidFill>
+                <a:srgbClr val="2c3e50"/>
+              </a:solidFill>
+              <a:latin typeface="Source Sans Pro Semibold"/>
+            </a:endParaRPr>
+          </a:p>
+        </p:txBody>
+      </p:sp>
+      <p:sp>
+        <p:nvSpPr>
+          <p:cNvPr id="34" name="PlaceHolder 4"/>
+          <p:cNvSpPr>
+            <a:spLocks noGrp="1"/>
+          </p:cNvSpPr>
+          <p:nvPr>
+            <p:ph type="body"/>
+          </p:nvPr>
+        </p:nvSpPr>
+        <p:spPr>
+          <a:xfrm>
+            <a:off x="6689880" y="1485000"/>
+            <a:ext cx="3013920" cy="1802880"/>
+          </a:xfrm>
+          <a:prstGeom prst="rect">
+            <a:avLst/>
+          </a:prstGeom>
+        </p:spPr>
+        <p:txBody>
+          <a:bodyPr lIns="0" rIns="0" tIns="0" bIns="0">
+            <a:normAutofit/>
+          </a:bodyPr>
+          <a:p>
+            <a:endParaRPr b="1" lang="fr-FR" sz="2400" spc="-1" strike="noStrike">
+              <a:solidFill>
+                <a:srgbClr val="2c3e50"/>
+              </a:solidFill>
+              <a:latin typeface="Source Sans Pro Semibold"/>
+            </a:endParaRPr>
+          </a:p>
+        </p:txBody>
+      </p:sp>
+      <p:sp>
+        <p:nvSpPr>
+          <p:cNvPr id="35" name="PlaceHolder 5"/>
+          <p:cNvSpPr>
+            <a:spLocks noGrp="1"/>
+          </p:cNvSpPr>
+          <p:nvPr>
+            <p:ph type="body"/>
+          </p:nvPr>
+        </p:nvSpPr>
+        <p:spPr>
+          <a:xfrm>
+            <a:off x="360000" y="3459600"/>
+            <a:ext cx="3013920" cy="1802880"/>
+          </a:xfrm>
+          <a:prstGeom prst="rect">
+            <a:avLst/>
+          </a:prstGeom>
+        </p:spPr>
+        <p:txBody>
+          <a:bodyPr lIns="0" rIns="0" tIns="0" bIns="0">
+            <a:normAutofit/>
+          </a:bodyPr>
+          <a:p>
+            <a:endParaRPr b="1" lang="fr-FR" sz="2400" spc="-1" strike="noStrike">
+              <a:solidFill>
+                <a:srgbClr val="2c3e50"/>
+              </a:solidFill>
+              <a:latin typeface="Source Sans Pro Semibold"/>
+            </a:endParaRPr>
+          </a:p>
+        </p:txBody>
+      </p:sp>
+      <p:sp>
+        <p:nvSpPr>
+          <p:cNvPr id="36" name="PlaceHolder 6"/>
+          <p:cNvSpPr>
+            <a:spLocks noGrp="1"/>
+          </p:cNvSpPr>
+          <p:nvPr>
+            <p:ph type="body"/>
+          </p:nvPr>
+        </p:nvSpPr>
+        <p:spPr>
+          <a:xfrm>
+            <a:off x="3525120" y="3459600"/>
+            <a:ext cx="3013920" cy="1802880"/>
+          </a:xfrm>
+          <a:prstGeom prst="rect">
+            <a:avLst/>
+          </a:prstGeom>
+        </p:spPr>
+        <p:txBody>
+          <a:bodyPr lIns="0" rIns="0" tIns="0" bIns="0">
+            <a:normAutofit/>
+          </a:bodyPr>
+          <a:p>
+            <a:endParaRPr b="1" lang="fr-FR" sz="2400" spc="-1" strike="noStrike">
+              <a:solidFill>
+                <a:srgbClr val="2c3e50"/>
+              </a:solidFill>
+              <a:latin typeface="Source Sans Pro Semibold"/>
+            </a:endParaRPr>
+          </a:p>
+        </p:txBody>
+      </p:sp>
+      <p:sp>
+        <p:nvSpPr>
+          <p:cNvPr id="37" name="PlaceHolder 7"/>
+          <p:cNvSpPr>
+            <a:spLocks noGrp="1"/>
+          </p:cNvSpPr>
+          <p:nvPr>
+            <p:ph type="body"/>
+          </p:nvPr>
+        </p:nvSpPr>
+        <p:spPr>
+          <a:xfrm>
+            <a:off x="6689880" y="3459600"/>
+            <a:ext cx="3013920" cy="1802880"/>
+          </a:xfrm>
+          <a:prstGeom prst="rect">
+            <a:avLst/>
+          </a:prstGeom>
+        </p:spPr>
+        <p:txBody>
+          <a:bodyPr lIns="0" rIns="0" tIns="0" bIns="0">
+            <a:normAutofit/>
+          </a:bodyPr>
+          <a:p>
+            <a:endParaRPr b="1" lang="fr-FR" sz="2400" spc="-1" strike="noStrike">
+              <a:solidFill>
+                <a:srgbClr val="2c3e50"/>
+              </a:solidFill>
+              <a:latin typeface="Source Sans Pro Semibold"/>
+            </a:endParaRPr>
+          </a:p>
+        </p:txBody>
+      </p:sp>
+    </p:spTree>
+  </p:cSld>
+</p:sldLayout>
+</file>
+
+<file path=ppt/slideLayouts/slideLayout13.xml><?xml version="1.0" encoding="utf-8"?>
+<p:sldLayout xmlns:a="http://schemas.openxmlformats.org/drawingml/2006/main" xmlns:p="http://schemas.openxmlformats.org/presentationml/2006/main" xmlns:r="http://schemas.openxmlformats.org/officeDocument/2006/relationships" xmlns:p14="http://schemas.microsoft.com/office/powerpoint/2010/main" xmlns:p15="http://schemas.microsoft.com/office/powerpoint/2012/main" xmlns:mc="http://schemas.openxmlformats.org/markup-compatibility/2006" type="blank" preserve="1">
+  <p:cSld name="Blank Slide">
+    <p:spTree>
+      <p:nvGrpSpPr>
+        <p:cNvPr id="1" name=""/>
+        <p:cNvGrpSpPr/>
+        <p:nvPr/>
+      </p:nvGrpSpPr>
+      <p:grpSpPr>
+        <a:xfrm>
+          <a:off x="0" y="0"/>
+          <a:ext cx="0" cy="0"/>
+          <a:chOff x="0" y="0"/>
+          <a:chExt cx="0" cy="0"/>
+        </a:xfrm>
+      </p:grpSpPr>
+    </p:spTree>
+  </p:cSld>
+</p:sldLayout>
+</file>
+
+<file path=ppt/slideLayouts/slideLayout14.xml><?xml version="1.0" encoding="utf-8"?>
+<p:sldLayout xmlns:a="http://schemas.openxmlformats.org/drawingml/2006/main" xmlns:p="http://schemas.openxmlformats.org/presentationml/2006/main" xmlns:r="http://schemas.openxmlformats.org/officeDocument/2006/relationships" xmlns:p14="http://schemas.microsoft.com/office/powerpoint/2010/main" xmlns:p15="http://schemas.microsoft.com/office/powerpoint/2012/main" xmlns:mc="http://schemas.openxmlformats.org/markup-compatibility/2006" type="tx" preserve="1">
+  <p:cSld name="Title Slide">
+    <p:spTree>
+      <p:nvGrpSpPr>
+        <p:cNvPr id="1" name=""/>
+        <p:cNvGrpSpPr/>
+        <p:nvPr/>
+      </p:nvGrpSpPr>
+      <p:grpSpPr>
+        <a:xfrm>
+          <a:off x="0" y="0"/>
+          <a:ext cx="0" cy="0"/>
+          <a:chOff x="0" y="0"/>
+          <a:chExt cx="0" cy="0"/>
+        </a:xfrm>
+      </p:grpSpPr>
+      <p:sp>
+        <p:nvSpPr>
+          <p:cNvPr id="46" name="PlaceHolder 1"/>
+          <p:cNvSpPr>
+            <a:spLocks noGrp="1"/>
+          </p:cNvSpPr>
+          <p:nvPr>
+            <p:ph type="title"/>
+          </p:nvPr>
+        </p:nvSpPr>
+        <p:spPr>
+          <a:xfrm>
+            <a:off x="360000" y="226080"/>
+            <a:ext cx="9360720" cy="718920"/>
+          </a:xfrm>
+          <a:prstGeom prst="rect">
+            <a:avLst/>
+          </a:prstGeom>
+        </p:spPr>
+        <p:txBody>
+          <a:bodyPr lIns="0" rIns="0" tIns="0" bIns="0" anchor="ctr">
+            <a:noAutofit/>
+          </a:bodyPr>
+          <a:p>
+            <a:endParaRPr b="1" lang="fr-FR" sz="2700" spc="-1" strike="noStrike">
+              <a:solidFill>
+                <a:srgbClr val="ffffff"/>
+              </a:solidFill>
+              <a:latin typeface="Source Sans Pro Black"/>
+            </a:endParaRPr>
+          </a:p>
+        </p:txBody>
+      </p:sp>
+      <p:sp>
+        <p:nvSpPr>
+          <p:cNvPr id="47" name="PlaceHolder 2"/>
+          <p:cNvSpPr>
+            <a:spLocks noGrp="1"/>
+          </p:cNvSpPr>
+          <p:nvPr>
+            <p:ph type="subTitle"/>
+          </p:nvPr>
+        </p:nvSpPr>
+        <p:spPr>
+          <a:xfrm>
+            <a:off x="360000" y="1485000"/>
+            <a:ext cx="9360720" cy="3780360"/>
           </a:xfrm>
           <a:prstGeom prst="rect">
             <a:avLst/>
@@ -362,15 +700,73 @@
           </a:bodyPr>
           <a:p>
             <a:pPr algn="ctr"/>
-            <a:endParaRPr b="0" lang="fr-FR" sz="4400" spc="-1" strike="noStrike">
-              <a:latin typeface="Arial"/>
-            </a:endParaRPr>
-          </a:p>
-        </p:txBody>
-      </p:sp>
-      <p:sp>
-        <p:nvSpPr>
-          <p:cNvPr id="32" name="PlaceHolder 2"/>
+            <a:endParaRPr b="0" lang="fr-FR" sz="3200" spc="-1" strike="noStrike">
+              <a:solidFill>
+                <a:srgbClr val="2c3e50"/>
+              </a:solidFill>
+              <a:latin typeface="Source Sans Pro"/>
+            </a:endParaRPr>
+          </a:p>
+        </p:txBody>
+      </p:sp>
+    </p:spTree>
+  </p:cSld>
+</p:sldLayout>
+</file>
+
+<file path=ppt/slideLayouts/slideLayout15.xml><?xml version="1.0" encoding="utf-8"?>
+<p:sldLayout xmlns:a="http://schemas.openxmlformats.org/drawingml/2006/main" xmlns:p="http://schemas.openxmlformats.org/presentationml/2006/main" xmlns:r="http://schemas.openxmlformats.org/officeDocument/2006/relationships" xmlns:p14="http://schemas.microsoft.com/office/powerpoint/2010/main" xmlns:p15="http://schemas.microsoft.com/office/powerpoint/2012/main" xmlns:mc="http://schemas.openxmlformats.org/markup-compatibility/2006" type="obj" preserve="1">
+  <p:cSld name="Title, Content">
+    <p:spTree>
+      <p:nvGrpSpPr>
+        <p:cNvPr id="1" name=""/>
+        <p:cNvGrpSpPr/>
+        <p:nvPr/>
+      </p:nvGrpSpPr>
+      <p:grpSpPr>
+        <a:xfrm>
+          <a:off x="0" y="0"/>
+          <a:ext cx="0" cy="0"/>
+          <a:chOff x="0" y="0"/>
+          <a:chExt cx="0" cy="0"/>
+        </a:xfrm>
+      </p:grpSpPr>
+      <p:sp>
+        <p:nvSpPr>
+          <p:cNvPr id="48" name="PlaceHolder 1"/>
+          <p:cNvSpPr>
+            <a:spLocks noGrp="1"/>
+          </p:cNvSpPr>
+          <p:nvPr>
+            <p:ph type="title"/>
+          </p:nvPr>
+        </p:nvSpPr>
+        <p:spPr>
+          <a:xfrm>
+            <a:off x="360000" y="226080"/>
+            <a:ext cx="9360720" cy="718920"/>
+          </a:xfrm>
+          <a:prstGeom prst="rect">
+            <a:avLst/>
+          </a:prstGeom>
+        </p:spPr>
+        <p:txBody>
+          <a:bodyPr lIns="0" rIns="0" tIns="0" bIns="0" anchor="ctr">
+            <a:noAutofit/>
+          </a:bodyPr>
+          <a:p>
+            <a:endParaRPr b="1" lang="fr-FR" sz="2700" spc="-1" strike="noStrike">
+              <a:solidFill>
+                <a:srgbClr val="ffffff"/>
+              </a:solidFill>
+              <a:latin typeface="Source Sans Pro Black"/>
+            </a:endParaRPr>
+          </a:p>
+        </p:txBody>
+      </p:sp>
+      <p:sp>
+        <p:nvSpPr>
+          <p:cNvPr id="49" name="PlaceHolder 2"/>
           <p:cNvSpPr>
             <a:spLocks noGrp="1"/>
           </p:cNvSpPr>
@@ -380,8 +776,8 @@
         </p:nvSpPr>
         <p:spPr>
           <a:xfrm>
-            <a:off x="504000" y="1326600"/>
-            <a:ext cx="2920680" cy="1568160"/>
+            <a:off x="360000" y="1485000"/>
+            <a:ext cx="9360720" cy="3780360"/>
           </a:xfrm>
           <a:prstGeom prst="rect">
             <a:avLst/>
@@ -392,15 +788,305 @@
             <a:normAutofit/>
           </a:bodyPr>
           <a:p>
+            <a:endParaRPr b="1" lang="fr-FR" sz="2400" spc="-1" strike="noStrike">
+              <a:solidFill>
+                <a:srgbClr val="2c3e50"/>
+              </a:solidFill>
+              <a:latin typeface="Source Sans Pro Semibold"/>
+            </a:endParaRPr>
+          </a:p>
+        </p:txBody>
+      </p:sp>
+    </p:spTree>
+  </p:cSld>
+</p:sldLayout>
+</file>
+
+<file path=ppt/slideLayouts/slideLayout16.xml><?xml version="1.0" encoding="utf-8"?>
+<p:sldLayout xmlns:a="http://schemas.openxmlformats.org/drawingml/2006/main" xmlns:p="http://schemas.openxmlformats.org/presentationml/2006/main" xmlns:r="http://schemas.openxmlformats.org/officeDocument/2006/relationships" xmlns:p14="http://schemas.microsoft.com/office/powerpoint/2010/main" xmlns:p15="http://schemas.microsoft.com/office/powerpoint/2012/main" xmlns:mc="http://schemas.openxmlformats.org/markup-compatibility/2006" type="twoObj" preserve="1">
+  <p:cSld name="Title, 2 Content">
+    <p:spTree>
+      <p:nvGrpSpPr>
+        <p:cNvPr id="1" name=""/>
+        <p:cNvGrpSpPr/>
+        <p:nvPr/>
+      </p:nvGrpSpPr>
+      <p:grpSpPr>
+        <a:xfrm>
+          <a:off x="0" y="0"/>
+          <a:ext cx="0" cy="0"/>
+          <a:chOff x="0" y="0"/>
+          <a:chExt cx="0" cy="0"/>
+        </a:xfrm>
+      </p:grpSpPr>
+      <p:sp>
+        <p:nvSpPr>
+          <p:cNvPr id="50" name="PlaceHolder 1"/>
+          <p:cNvSpPr>
+            <a:spLocks noGrp="1"/>
+          </p:cNvSpPr>
+          <p:nvPr>
+            <p:ph type="title"/>
+          </p:nvPr>
+        </p:nvSpPr>
+        <p:spPr>
+          <a:xfrm>
+            <a:off x="360000" y="226080"/>
+            <a:ext cx="9360720" cy="718920"/>
+          </a:xfrm>
+          <a:prstGeom prst="rect">
+            <a:avLst/>
+          </a:prstGeom>
+        </p:spPr>
+        <p:txBody>
+          <a:bodyPr lIns="0" rIns="0" tIns="0" bIns="0" anchor="ctr">
+            <a:noAutofit/>
+          </a:bodyPr>
+          <a:p>
+            <a:endParaRPr b="1" lang="fr-FR" sz="2700" spc="-1" strike="noStrike">
+              <a:solidFill>
+                <a:srgbClr val="ffffff"/>
+              </a:solidFill>
+              <a:latin typeface="Source Sans Pro Black"/>
+            </a:endParaRPr>
+          </a:p>
+        </p:txBody>
+      </p:sp>
+      <p:sp>
+        <p:nvSpPr>
+          <p:cNvPr id="51" name="PlaceHolder 2"/>
+          <p:cNvSpPr>
+            <a:spLocks noGrp="1"/>
+          </p:cNvSpPr>
+          <p:nvPr>
+            <p:ph type="body"/>
+          </p:nvPr>
+        </p:nvSpPr>
+        <p:spPr>
+          <a:xfrm>
+            <a:off x="360000" y="1485000"/>
+            <a:ext cx="4567680" cy="3780360"/>
+          </a:xfrm>
+          <a:prstGeom prst="rect">
+            <a:avLst/>
+          </a:prstGeom>
+        </p:spPr>
+        <p:txBody>
+          <a:bodyPr lIns="0" rIns="0" tIns="0" bIns="0">
+            <a:normAutofit/>
+          </a:bodyPr>
+          <a:p>
+            <a:endParaRPr b="1" lang="fr-FR" sz="2400" spc="-1" strike="noStrike">
+              <a:solidFill>
+                <a:srgbClr val="2c3e50"/>
+              </a:solidFill>
+              <a:latin typeface="Source Sans Pro Semibold"/>
+            </a:endParaRPr>
+          </a:p>
+        </p:txBody>
+      </p:sp>
+      <p:sp>
+        <p:nvSpPr>
+          <p:cNvPr id="52" name="PlaceHolder 3"/>
+          <p:cNvSpPr>
+            <a:spLocks noGrp="1"/>
+          </p:cNvSpPr>
+          <p:nvPr>
+            <p:ph type="body"/>
+          </p:nvPr>
+        </p:nvSpPr>
+        <p:spPr>
+          <a:xfrm>
+            <a:off x="5156280" y="1485000"/>
+            <a:ext cx="4567680" cy="3780360"/>
+          </a:xfrm>
+          <a:prstGeom prst="rect">
+            <a:avLst/>
+          </a:prstGeom>
+        </p:spPr>
+        <p:txBody>
+          <a:bodyPr lIns="0" rIns="0" tIns="0" bIns="0">
+            <a:normAutofit/>
+          </a:bodyPr>
+          <a:p>
+            <a:endParaRPr b="1" lang="fr-FR" sz="2400" spc="-1" strike="noStrike">
+              <a:solidFill>
+                <a:srgbClr val="2c3e50"/>
+              </a:solidFill>
+              <a:latin typeface="Source Sans Pro Semibold"/>
+            </a:endParaRPr>
+          </a:p>
+        </p:txBody>
+      </p:sp>
+    </p:spTree>
+  </p:cSld>
+</p:sldLayout>
+</file>
+
+<file path=ppt/slideLayouts/slideLayout17.xml><?xml version="1.0" encoding="utf-8"?>
+<p:sldLayout xmlns:a="http://schemas.openxmlformats.org/drawingml/2006/main" xmlns:p="http://schemas.openxmlformats.org/presentationml/2006/main" xmlns:r="http://schemas.openxmlformats.org/officeDocument/2006/relationships" xmlns:p14="http://schemas.microsoft.com/office/powerpoint/2010/main" xmlns:p15="http://schemas.microsoft.com/office/powerpoint/2012/main" xmlns:mc="http://schemas.openxmlformats.org/markup-compatibility/2006" type="titleOnly" preserve="1">
+  <p:cSld name="Title Only">
+    <p:spTree>
+      <p:nvGrpSpPr>
+        <p:cNvPr id="1" name=""/>
+        <p:cNvGrpSpPr/>
+        <p:nvPr/>
+      </p:nvGrpSpPr>
+      <p:grpSpPr>
+        <a:xfrm>
+          <a:off x="0" y="0"/>
+          <a:ext cx="0" cy="0"/>
+          <a:chOff x="0" y="0"/>
+          <a:chExt cx="0" cy="0"/>
+        </a:xfrm>
+      </p:grpSpPr>
+      <p:sp>
+        <p:nvSpPr>
+          <p:cNvPr id="53" name="PlaceHolder 1"/>
+          <p:cNvSpPr>
+            <a:spLocks noGrp="1"/>
+          </p:cNvSpPr>
+          <p:nvPr>
+            <p:ph type="title"/>
+          </p:nvPr>
+        </p:nvSpPr>
+        <p:spPr>
+          <a:xfrm>
+            <a:off x="360000" y="226080"/>
+            <a:ext cx="9360720" cy="718920"/>
+          </a:xfrm>
+          <a:prstGeom prst="rect">
+            <a:avLst/>
+          </a:prstGeom>
+        </p:spPr>
+        <p:txBody>
+          <a:bodyPr lIns="0" rIns="0" tIns="0" bIns="0" anchor="ctr">
+            <a:noAutofit/>
+          </a:bodyPr>
+          <a:p>
+            <a:endParaRPr b="1" lang="fr-FR" sz="2700" spc="-1" strike="noStrike">
+              <a:solidFill>
+                <a:srgbClr val="ffffff"/>
+              </a:solidFill>
+              <a:latin typeface="Source Sans Pro Black"/>
+            </a:endParaRPr>
+          </a:p>
+        </p:txBody>
+      </p:sp>
+    </p:spTree>
+  </p:cSld>
+</p:sldLayout>
+</file>
+
+<file path=ppt/slideLayouts/slideLayout18.xml><?xml version="1.0" encoding="utf-8"?>
+<p:sldLayout xmlns:a="http://schemas.openxmlformats.org/drawingml/2006/main" xmlns:p="http://schemas.openxmlformats.org/presentationml/2006/main" xmlns:r="http://schemas.openxmlformats.org/officeDocument/2006/relationships" xmlns:p14="http://schemas.microsoft.com/office/powerpoint/2010/main" xmlns:p15="http://schemas.microsoft.com/office/powerpoint/2012/main" xmlns:mc="http://schemas.openxmlformats.org/markup-compatibility/2006" type="objOnly" preserve="1">
+  <p:cSld name="Centered Text">
+    <p:spTree>
+      <p:nvGrpSpPr>
+        <p:cNvPr id="1" name=""/>
+        <p:cNvGrpSpPr/>
+        <p:nvPr/>
+      </p:nvGrpSpPr>
+      <p:grpSpPr>
+        <a:xfrm>
+          <a:off x="0" y="0"/>
+          <a:ext cx="0" cy="0"/>
+          <a:chOff x="0" y="0"/>
+          <a:chExt cx="0" cy="0"/>
+        </a:xfrm>
+      </p:grpSpPr>
+      <p:sp>
+        <p:nvSpPr>
+          <p:cNvPr id="54" name="PlaceHolder 1"/>
+          <p:cNvSpPr>
+            <a:spLocks noGrp="1"/>
+          </p:cNvSpPr>
+          <p:nvPr>
+            <p:ph type="subTitle"/>
+          </p:nvPr>
+        </p:nvSpPr>
+        <p:spPr>
+          <a:xfrm>
+            <a:off x="360000" y="226080"/>
+            <a:ext cx="9360720" cy="3333960"/>
+          </a:xfrm>
+          <a:prstGeom prst="rect">
+            <a:avLst/>
+          </a:prstGeom>
+        </p:spPr>
+        <p:txBody>
+          <a:bodyPr lIns="0" rIns="0" tIns="0" bIns="0" anchor="ctr">
+            <a:spAutoFit/>
+          </a:bodyPr>
+          <a:p>
+            <a:pPr algn="ctr"/>
             <a:endParaRPr b="0" lang="fr-FR" sz="3200" spc="-1" strike="noStrike">
-              <a:latin typeface="Arial"/>
-            </a:endParaRPr>
-          </a:p>
-        </p:txBody>
-      </p:sp>
-      <p:sp>
-        <p:nvSpPr>
-          <p:cNvPr id="33" name="PlaceHolder 3"/>
+              <a:solidFill>
+                <a:srgbClr val="2c3e50"/>
+              </a:solidFill>
+              <a:latin typeface="Source Sans Pro"/>
+            </a:endParaRPr>
+          </a:p>
+        </p:txBody>
+      </p:sp>
+    </p:spTree>
+  </p:cSld>
+</p:sldLayout>
+</file>
+
+<file path=ppt/slideLayouts/slideLayout19.xml><?xml version="1.0" encoding="utf-8"?>
+<p:sldLayout xmlns:a="http://schemas.openxmlformats.org/drawingml/2006/main" xmlns:p="http://schemas.openxmlformats.org/presentationml/2006/main" xmlns:r="http://schemas.openxmlformats.org/officeDocument/2006/relationships" xmlns:p14="http://schemas.microsoft.com/office/powerpoint/2010/main" xmlns:p15="http://schemas.microsoft.com/office/powerpoint/2012/main" xmlns:mc="http://schemas.openxmlformats.org/markup-compatibility/2006" type="twoObjAndObj" preserve="1">
+  <p:cSld name="Title, 2 Content and Content">
+    <p:spTree>
+      <p:nvGrpSpPr>
+        <p:cNvPr id="1" name=""/>
+        <p:cNvGrpSpPr/>
+        <p:nvPr/>
+      </p:nvGrpSpPr>
+      <p:grpSpPr>
+        <a:xfrm>
+          <a:off x="0" y="0"/>
+          <a:ext cx="0" cy="0"/>
+          <a:chOff x="0" y="0"/>
+          <a:chExt cx="0" cy="0"/>
+        </a:xfrm>
+      </p:grpSpPr>
+      <p:sp>
+        <p:nvSpPr>
+          <p:cNvPr id="55" name="PlaceHolder 1"/>
+          <p:cNvSpPr>
+            <a:spLocks noGrp="1"/>
+          </p:cNvSpPr>
+          <p:nvPr>
+            <p:ph type="title"/>
+          </p:nvPr>
+        </p:nvSpPr>
+        <p:spPr>
+          <a:xfrm>
+            <a:off x="360000" y="226080"/>
+            <a:ext cx="9360720" cy="718920"/>
+          </a:xfrm>
+          <a:prstGeom prst="rect">
+            <a:avLst/>
+          </a:prstGeom>
+        </p:spPr>
+        <p:txBody>
+          <a:bodyPr lIns="0" rIns="0" tIns="0" bIns="0" anchor="ctr">
+            <a:noAutofit/>
+          </a:bodyPr>
+          <a:p>
+            <a:endParaRPr b="1" lang="fr-FR" sz="2700" spc="-1" strike="noStrike">
+              <a:solidFill>
+                <a:srgbClr val="ffffff"/>
+              </a:solidFill>
+              <a:latin typeface="Source Sans Pro Black"/>
+            </a:endParaRPr>
+          </a:p>
+        </p:txBody>
+      </p:sp>
+      <p:sp>
+        <p:nvSpPr>
+          <p:cNvPr id="56" name="PlaceHolder 2"/>
           <p:cNvSpPr>
             <a:spLocks noGrp="1"/>
           </p:cNvSpPr>
@@ -410,8 +1096,8 @@
         </p:nvSpPr>
         <p:spPr>
           <a:xfrm>
-            <a:off x="3571200" y="1326600"/>
-            <a:ext cx="2920680" cy="1568160"/>
+            <a:off x="360000" y="1485000"/>
+            <a:ext cx="4567680" cy="1802880"/>
           </a:xfrm>
           <a:prstGeom prst="rect">
             <a:avLst/>
@@ -422,15 +1108,18 @@
             <a:normAutofit/>
           </a:bodyPr>
           <a:p>
-            <a:endParaRPr b="0" lang="fr-FR" sz="3200" spc="-1" strike="noStrike">
-              <a:latin typeface="Arial"/>
-            </a:endParaRPr>
-          </a:p>
-        </p:txBody>
-      </p:sp>
-      <p:sp>
-        <p:nvSpPr>
-          <p:cNvPr id="34" name="PlaceHolder 4"/>
+            <a:endParaRPr b="1" lang="fr-FR" sz="2400" spc="-1" strike="noStrike">
+              <a:solidFill>
+                <a:srgbClr val="2c3e50"/>
+              </a:solidFill>
+              <a:latin typeface="Source Sans Pro Semibold"/>
+            </a:endParaRPr>
+          </a:p>
+        </p:txBody>
+      </p:sp>
+      <p:sp>
+        <p:nvSpPr>
+          <p:cNvPr id="57" name="PlaceHolder 3"/>
           <p:cNvSpPr>
             <a:spLocks noGrp="1"/>
           </p:cNvSpPr>
@@ -440,8 +1129,8 @@
         </p:nvSpPr>
         <p:spPr>
           <a:xfrm>
-            <a:off x="6638040" y="1326600"/>
-            <a:ext cx="2920680" cy="1568160"/>
+            <a:off x="5156280" y="1485000"/>
+            <a:ext cx="4567680" cy="3780360"/>
           </a:xfrm>
           <a:prstGeom prst="rect">
             <a:avLst/>
@@ -452,15 +1141,18 @@
             <a:normAutofit/>
           </a:bodyPr>
           <a:p>
-            <a:endParaRPr b="0" lang="fr-FR" sz="3200" spc="-1" strike="noStrike">
-              <a:latin typeface="Arial"/>
-            </a:endParaRPr>
-          </a:p>
-        </p:txBody>
-      </p:sp>
-      <p:sp>
-        <p:nvSpPr>
-          <p:cNvPr id="35" name="PlaceHolder 5"/>
+            <a:endParaRPr b="1" lang="fr-FR" sz="2400" spc="-1" strike="noStrike">
+              <a:solidFill>
+                <a:srgbClr val="2c3e50"/>
+              </a:solidFill>
+              <a:latin typeface="Source Sans Pro Semibold"/>
+            </a:endParaRPr>
+          </a:p>
+        </p:txBody>
+      </p:sp>
+      <p:sp>
+        <p:nvSpPr>
+          <p:cNvPr id="58" name="PlaceHolder 4"/>
           <p:cNvSpPr>
             <a:spLocks noGrp="1"/>
           </p:cNvSpPr>
@@ -470,8 +1162,8 @@
         </p:nvSpPr>
         <p:spPr>
           <a:xfrm>
-            <a:off x="504000" y="3044160"/>
-            <a:ext cx="2920680" cy="1568160"/>
+            <a:off x="360000" y="3459600"/>
+            <a:ext cx="4567680" cy="1802880"/>
           </a:xfrm>
           <a:prstGeom prst="rect">
             <a:avLst/>
@@ -482,68 +1174,11 @@
             <a:normAutofit/>
           </a:bodyPr>
           <a:p>
-            <a:endParaRPr b="0" lang="fr-FR" sz="3200" spc="-1" strike="noStrike">
-              <a:latin typeface="Arial"/>
-            </a:endParaRPr>
-          </a:p>
-        </p:txBody>
-      </p:sp>
-      <p:sp>
-        <p:nvSpPr>
-          <p:cNvPr id="36" name="PlaceHolder 6"/>
-          <p:cNvSpPr>
-            <a:spLocks noGrp="1"/>
-          </p:cNvSpPr>
-          <p:nvPr>
-            <p:ph type="body"/>
-          </p:nvPr>
-        </p:nvSpPr>
-        <p:spPr>
-          <a:xfrm>
-            <a:off x="3571200" y="3044160"/>
-            <a:ext cx="2920680" cy="1568160"/>
-          </a:xfrm>
-          <a:prstGeom prst="rect">
-            <a:avLst/>
-          </a:prstGeom>
-        </p:spPr>
-        <p:txBody>
-          <a:bodyPr lIns="0" rIns="0" tIns="0" bIns="0">
-            <a:normAutofit/>
-          </a:bodyPr>
-          <a:p>
-            <a:endParaRPr b="0" lang="fr-FR" sz="3200" spc="-1" strike="noStrike">
-              <a:latin typeface="Arial"/>
-            </a:endParaRPr>
-          </a:p>
-        </p:txBody>
-      </p:sp>
-      <p:sp>
-        <p:nvSpPr>
-          <p:cNvPr id="37" name="PlaceHolder 7"/>
-          <p:cNvSpPr>
-            <a:spLocks noGrp="1"/>
-          </p:cNvSpPr>
-          <p:nvPr>
-            <p:ph type="body"/>
-          </p:nvPr>
-        </p:nvSpPr>
-        <p:spPr>
-          <a:xfrm>
-            <a:off x="6638040" y="3044160"/>
-            <a:ext cx="2920680" cy="1568160"/>
-          </a:xfrm>
-          <a:prstGeom prst="rect">
-            <a:avLst/>
-          </a:prstGeom>
-        </p:spPr>
-        <p:txBody>
-          <a:bodyPr lIns="0" rIns="0" tIns="0" bIns="0">
-            <a:normAutofit/>
-          </a:bodyPr>
-          <a:p>
-            <a:endParaRPr b="0" lang="fr-FR" sz="3200" spc="-1" strike="noStrike">
-              <a:latin typeface="Arial"/>
+            <a:endParaRPr b="1" lang="fr-FR" sz="2400" spc="-1" strike="noStrike">
+              <a:solidFill>
+                <a:srgbClr val="2c3e50"/>
+              </a:solidFill>
+              <a:latin typeface="Source Sans Pro Semibold"/>
             </a:endParaRPr>
           </a:p>
         </p:txBody>
@@ -582,8 +1217,41 @@
         </p:nvSpPr>
         <p:spPr>
           <a:xfrm>
-            <a:off x="504000" y="226080"/>
-            <a:ext cx="9071640" cy="946440"/>
+            <a:off x="360000" y="226080"/>
+            <a:ext cx="9360720" cy="718920"/>
+          </a:xfrm>
+          <a:prstGeom prst="rect">
+            <a:avLst/>
+          </a:prstGeom>
+        </p:spPr>
+        <p:txBody>
+          <a:bodyPr lIns="0" rIns="0" tIns="0" bIns="0" anchor="ctr">
+            <a:noAutofit/>
+          </a:bodyPr>
+          <a:p>
+            <a:endParaRPr b="1" lang="fr-FR" sz="2700" spc="-1" strike="noStrike">
+              <a:solidFill>
+                <a:srgbClr val="ffffff"/>
+              </a:solidFill>
+              <a:latin typeface="Source Sans Pro Black"/>
+            </a:endParaRPr>
+          </a:p>
+        </p:txBody>
+      </p:sp>
+      <p:sp>
+        <p:nvSpPr>
+          <p:cNvPr id="3" name="PlaceHolder 2"/>
+          <p:cNvSpPr>
+            <a:spLocks noGrp="1"/>
+          </p:cNvSpPr>
+          <p:nvPr>
+            <p:ph type="subTitle"/>
+          </p:nvPr>
+        </p:nvSpPr>
+        <p:spPr>
+          <a:xfrm>
+            <a:off x="360000" y="1485000"/>
+            <a:ext cx="9360720" cy="3780360"/>
           </a:xfrm>
           <a:prstGeom prst="rect">
             <a:avLst/>
@@ -595,26 +1263,51 @@
           </a:bodyPr>
           <a:p>
             <a:pPr algn="ctr"/>
-            <a:endParaRPr b="0" lang="fr-FR" sz="4400" spc="-1" strike="noStrike">
-              <a:latin typeface="Arial"/>
-            </a:endParaRPr>
-          </a:p>
-        </p:txBody>
-      </p:sp>
-      <p:sp>
-        <p:nvSpPr>
-          <p:cNvPr id="3" name="PlaceHolder 2"/>
-          <p:cNvSpPr>
-            <a:spLocks noGrp="1"/>
-          </p:cNvSpPr>
-          <p:nvPr>
-            <p:ph type="subTitle"/>
-          </p:nvPr>
-        </p:nvSpPr>
-        <p:spPr>
-          <a:xfrm>
-            <a:off x="504000" y="1326600"/>
-            <a:ext cx="9071640" cy="3288240"/>
+            <a:endParaRPr b="0" lang="fr-FR" sz="3200" spc="-1" strike="noStrike">
+              <a:solidFill>
+                <a:srgbClr val="2c3e50"/>
+              </a:solidFill>
+              <a:latin typeface="Source Sans Pro"/>
+            </a:endParaRPr>
+          </a:p>
+        </p:txBody>
+      </p:sp>
+    </p:spTree>
+  </p:cSld>
+</p:sldLayout>
+</file>
+
+<file path=ppt/slideLayouts/slideLayout20.xml><?xml version="1.0" encoding="utf-8"?>
+<p:sldLayout xmlns:a="http://schemas.openxmlformats.org/drawingml/2006/main" xmlns:p="http://schemas.openxmlformats.org/presentationml/2006/main" xmlns:r="http://schemas.openxmlformats.org/officeDocument/2006/relationships" xmlns:p14="http://schemas.microsoft.com/office/powerpoint/2010/main" xmlns:p15="http://schemas.microsoft.com/office/powerpoint/2012/main" xmlns:mc="http://schemas.openxmlformats.org/markup-compatibility/2006" type="objAndTwoObj" preserve="1">
+  <p:cSld name="Title Content and 2 Content">
+    <p:spTree>
+      <p:nvGrpSpPr>
+        <p:cNvPr id="1" name=""/>
+        <p:cNvGrpSpPr/>
+        <p:nvPr/>
+      </p:nvGrpSpPr>
+      <p:grpSpPr>
+        <a:xfrm>
+          <a:off x="0" y="0"/>
+          <a:ext cx="0" cy="0"/>
+          <a:chOff x="0" y="0"/>
+          <a:chExt cx="0" cy="0"/>
+        </a:xfrm>
+      </p:grpSpPr>
+      <p:sp>
+        <p:nvSpPr>
+          <p:cNvPr id="59" name="PlaceHolder 1"/>
+          <p:cNvSpPr>
+            <a:spLocks noGrp="1"/>
+          </p:cNvSpPr>
+          <p:nvPr>
+            <p:ph type="title"/>
+          </p:nvPr>
+        </p:nvSpPr>
+        <p:spPr>
+          <a:xfrm>
+            <a:off x="360000" y="226080"/>
+            <a:ext cx="9360720" cy="718920"/>
           </a:xfrm>
           <a:prstGeom prst="rect">
             <a:avLst/>
@@ -622,12 +1315,828 @@
         </p:spPr>
         <p:txBody>
           <a:bodyPr lIns="0" rIns="0" tIns="0" bIns="0" anchor="ctr">
-            <a:spAutoFit/>
-          </a:bodyPr>
-          <a:p>
-            <a:pPr algn="ctr"/>
-            <a:endParaRPr b="0" lang="fr-FR" sz="3200" spc="-1" strike="noStrike">
-              <a:latin typeface="Arial"/>
+            <a:noAutofit/>
+          </a:bodyPr>
+          <a:p>
+            <a:endParaRPr b="1" lang="fr-FR" sz="2700" spc="-1" strike="noStrike">
+              <a:solidFill>
+                <a:srgbClr val="ffffff"/>
+              </a:solidFill>
+              <a:latin typeface="Source Sans Pro Black"/>
+            </a:endParaRPr>
+          </a:p>
+        </p:txBody>
+      </p:sp>
+      <p:sp>
+        <p:nvSpPr>
+          <p:cNvPr id="60" name="PlaceHolder 2"/>
+          <p:cNvSpPr>
+            <a:spLocks noGrp="1"/>
+          </p:cNvSpPr>
+          <p:nvPr>
+            <p:ph type="body"/>
+          </p:nvPr>
+        </p:nvSpPr>
+        <p:spPr>
+          <a:xfrm>
+            <a:off x="360000" y="1485000"/>
+            <a:ext cx="4567680" cy="3780360"/>
+          </a:xfrm>
+          <a:prstGeom prst="rect">
+            <a:avLst/>
+          </a:prstGeom>
+        </p:spPr>
+        <p:txBody>
+          <a:bodyPr lIns="0" rIns="0" tIns="0" bIns="0">
+            <a:normAutofit/>
+          </a:bodyPr>
+          <a:p>
+            <a:endParaRPr b="1" lang="fr-FR" sz="2400" spc="-1" strike="noStrike">
+              <a:solidFill>
+                <a:srgbClr val="2c3e50"/>
+              </a:solidFill>
+              <a:latin typeface="Source Sans Pro Semibold"/>
+            </a:endParaRPr>
+          </a:p>
+        </p:txBody>
+      </p:sp>
+      <p:sp>
+        <p:nvSpPr>
+          <p:cNvPr id="61" name="PlaceHolder 3"/>
+          <p:cNvSpPr>
+            <a:spLocks noGrp="1"/>
+          </p:cNvSpPr>
+          <p:nvPr>
+            <p:ph type="body"/>
+          </p:nvPr>
+        </p:nvSpPr>
+        <p:spPr>
+          <a:xfrm>
+            <a:off x="5156280" y="1485000"/>
+            <a:ext cx="4567680" cy="1802880"/>
+          </a:xfrm>
+          <a:prstGeom prst="rect">
+            <a:avLst/>
+          </a:prstGeom>
+        </p:spPr>
+        <p:txBody>
+          <a:bodyPr lIns="0" rIns="0" tIns="0" bIns="0">
+            <a:normAutofit/>
+          </a:bodyPr>
+          <a:p>
+            <a:endParaRPr b="1" lang="fr-FR" sz="2400" spc="-1" strike="noStrike">
+              <a:solidFill>
+                <a:srgbClr val="2c3e50"/>
+              </a:solidFill>
+              <a:latin typeface="Source Sans Pro Semibold"/>
+            </a:endParaRPr>
+          </a:p>
+        </p:txBody>
+      </p:sp>
+      <p:sp>
+        <p:nvSpPr>
+          <p:cNvPr id="62" name="PlaceHolder 4"/>
+          <p:cNvSpPr>
+            <a:spLocks noGrp="1"/>
+          </p:cNvSpPr>
+          <p:nvPr>
+            <p:ph type="body"/>
+          </p:nvPr>
+        </p:nvSpPr>
+        <p:spPr>
+          <a:xfrm>
+            <a:off x="5156280" y="3459600"/>
+            <a:ext cx="4567680" cy="1802880"/>
+          </a:xfrm>
+          <a:prstGeom prst="rect">
+            <a:avLst/>
+          </a:prstGeom>
+        </p:spPr>
+        <p:txBody>
+          <a:bodyPr lIns="0" rIns="0" tIns="0" bIns="0">
+            <a:normAutofit/>
+          </a:bodyPr>
+          <a:p>
+            <a:endParaRPr b="1" lang="fr-FR" sz="2400" spc="-1" strike="noStrike">
+              <a:solidFill>
+                <a:srgbClr val="2c3e50"/>
+              </a:solidFill>
+              <a:latin typeface="Source Sans Pro Semibold"/>
+            </a:endParaRPr>
+          </a:p>
+        </p:txBody>
+      </p:sp>
+    </p:spTree>
+  </p:cSld>
+</p:sldLayout>
+</file>
+
+<file path=ppt/slideLayouts/slideLayout21.xml><?xml version="1.0" encoding="utf-8"?>
+<p:sldLayout xmlns:a="http://schemas.openxmlformats.org/drawingml/2006/main" xmlns:p="http://schemas.openxmlformats.org/presentationml/2006/main" xmlns:r="http://schemas.openxmlformats.org/officeDocument/2006/relationships" xmlns:p14="http://schemas.microsoft.com/office/powerpoint/2010/main" xmlns:p15="http://schemas.microsoft.com/office/powerpoint/2012/main" xmlns:mc="http://schemas.openxmlformats.org/markup-compatibility/2006" type="twoObjOverTx" preserve="1">
+  <p:cSld name="Title, 2 Content over Content">
+    <p:spTree>
+      <p:nvGrpSpPr>
+        <p:cNvPr id="1" name=""/>
+        <p:cNvGrpSpPr/>
+        <p:nvPr/>
+      </p:nvGrpSpPr>
+      <p:grpSpPr>
+        <a:xfrm>
+          <a:off x="0" y="0"/>
+          <a:ext cx="0" cy="0"/>
+          <a:chOff x="0" y="0"/>
+          <a:chExt cx="0" cy="0"/>
+        </a:xfrm>
+      </p:grpSpPr>
+      <p:sp>
+        <p:nvSpPr>
+          <p:cNvPr id="63" name="PlaceHolder 1"/>
+          <p:cNvSpPr>
+            <a:spLocks noGrp="1"/>
+          </p:cNvSpPr>
+          <p:nvPr>
+            <p:ph type="title"/>
+          </p:nvPr>
+        </p:nvSpPr>
+        <p:spPr>
+          <a:xfrm>
+            <a:off x="360000" y="226080"/>
+            <a:ext cx="9360720" cy="718920"/>
+          </a:xfrm>
+          <a:prstGeom prst="rect">
+            <a:avLst/>
+          </a:prstGeom>
+        </p:spPr>
+        <p:txBody>
+          <a:bodyPr lIns="0" rIns="0" tIns="0" bIns="0" anchor="ctr">
+            <a:noAutofit/>
+          </a:bodyPr>
+          <a:p>
+            <a:endParaRPr b="1" lang="fr-FR" sz="2700" spc="-1" strike="noStrike">
+              <a:solidFill>
+                <a:srgbClr val="ffffff"/>
+              </a:solidFill>
+              <a:latin typeface="Source Sans Pro Black"/>
+            </a:endParaRPr>
+          </a:p>
+        </p:txBody>
+      </p:sp>
+      <p:sp>
+        <p:nvSpPr>
+          <p:cNvPr id="64" name="PlaceHolder 2"/>
+          <p:cNvSpPr>
+            <a:spLocks noGrp="1"/>
+          </p:cNvSpPr>
+          <p:nvPr>
+            <p:ph type="body"/>
+          </p:nvPr>
+        </p:nvSpPr>
+        <p:spPr>
+          <a:xfrm>
+            <a:off x="360000" y="1485000"/>
+            <a:ext cx="4567680" cy="1802880"/>
+          </a:xfrm>
+          <a:prstGeom prst="rect">
+            <a:avLst/>
+          </a:prstGeom>
+        </p:spPr>
+        <p:txBody>
+          <a:bodyPr lIns="0" rIns="0" tIns="0" bIns="0">
+            <a:normAutofit/>
+          </a:bodyPr>
+          <a:p>
+            <a:endParaRPr b="1" lang="fr-FR" sz="2400" spc="-1" strike="noStrike">
+              <a:solidFill>
+                <a:srgbClr val="2c3e50"/>
+              </a:solidFill>
+              <a:latin typeface="Source Sans Pro Semibold"/>
+            </a:endParaRPr>
+          </a:p>
+        </p:txBody>
+      </p:sp>
+      <p:sp>
+        <p:nvSpPr>
+          <p:cNvPr id="65" name="PlaceHolder 3"/>
+          <p:cNvSpPr>
+            <a:spLocks noGrp="1"/>
+          </p:cNvSpPr>
+          <p:nvPr>
+            <p:ph type="body"/>
+          </p:nvPr>
+        </p:nvSpPr>
+        <p:spPr>
+          <a:xfrm>
+            <a:off x="5156280" y="1485000"/>
+            <a:ext cx="4567680" cy="1802880"/>
+          </a:xfrm>
+          <a:prstGeom prst="rect">
+            <a:avLst/>
+          </a:prstGeom>
+        </p:spPr>
+        <p:txBody>
+          <a:bodyPr lIns="0" rIns="0" tIns="0" bIns="0">
+            <a:normAutofit/>
+          </a:bodyPr>
+          <a:p>
+            <a:endParaRPr b="1" lang="fr-FR" sz="2400" spc="-1" strike="noStrike">
+              <a:solidFill>
+                <a:srgbClr val="2c3e50"/>
+              </a:solidFill>
+              <a:latin typeface="Source Sans Pro Semibold"/>
+            </a:endParaRPr>
+          </a:p>
+        </p:txBody>
+      </p:sp>
+      <p:sp>
+        <p:nvSpPr>
+          <p:cNvPr id="66" name="PlaceHolder 4"/>
+          <p:cNvSpPr>
+            <a:spLocks noGrp="1"/>
+          </p:cNvSpPr>
+          <p:nvPr>
+            <p:ph type="body"/>
+          </p:nvPr>
+        </p:nvSpPr>
+        <p:spPr>
+          <a:xfrm>
+            <a:off x="360000" y="3459600"/>
+            <a:ext cx="9360720" cy="1802880"/>
+          </a:xfrm>
+          <a:prstGeom prst="rect">
+            <a:avLst/>
+          </a:prstGeom>
+        </p:spPr>
+        <p:txBody>
+          <a:bodyPr lIns="0" rIns="0" tIns="0" bIns="0">
+            <a:normAutofit/>
+          </a:bodyPr>
+          <a:p>
+            <a:endParaRPr b="1" lang="fr-FR" sz="2400" spc="-1" strike="noStrike">
+              <a:solidFill>
+                <a:srgbClr val="2c3e50"/>
+              </a:solidFill>
+              <a:latin typeface="Source Sans Pro Semibold"/>
+            </a:endParaRPr>
+          </a:p>
+        </p:txBody>
+      </p:sp>
+    </p:spTree>
+  </p:cSld>
+</p:sldLayout>
+</file>
+
+<file path=ppt/slideLayouts/slideLayout22.xml><?xml version="1.0" encoding="utf-8"?>
+<p:sldLayout xmlns:a="http://schemas.openxmlformats.org/drawingml/2006/main" xmlns:p="http://schemas.openxmlformats.org/presentationml/2006/main" xmlns:r="http://schemas.openxmlformats.org/officeDocument/2006/relationships" xmlns:p14="http://schemas.microsoft.com/office/powerpoint/2010/main" xmlns:p15="http://schemas.microsoft.com/office/powerpoint/2012/main" xmlns:mc="http://schemas.openxmlformats.org/markup-compatibility/2006" type="objOverTx" preserve="1">
+  <p:cSld name="Title, Content over Content">
+    <p:spTree>
+      <p:nvGrpSpPr>
+        <p:cNvPr id="1" name=""/>
+        <p:cNvGrpSpPr/>
+        <p:nvPr/>
+      </p:nvGrpSpPr>
+      <p:grpSpPr>
+        <a:xfrm>
+          <a:off x="0" y="0"/>
+          <a:ext cx="0" cy="0"/>
+          <a:chOff x="0" y="0"/>
+          <a:chExt cx="0" cy="0"/>
+        </a:xfrm>
+      </p:grpSpPr>
+      <p:sp>
+        <p:nvSpPr>
+          <p:cNvPr id="67" name="PlaceHolder 1"/>
+          <p:cNvSpPr>
+            <a:spLocks noGrp="1"/>
+          </p:cNvSpPr>
+          <p:nvPr>
+            <p:ph type="title"/>
+          </p:nvPr>
+        </p:nvSpPr>
+        <p:spPr>
+          <a:xfrm>
+            <a:off x="360000" y="226080"/>
+            <a:ext cx="9360720" cy="718920"/>
+          </a:xfrm>
+          <a:prstGeom prst="rect">
+            <a:avLst/>
+          </a:prstGeom>
+        </p:spPr>
+        <p:txBody>
+          <a:bodyPr lIns="0" rIns="0" tIns="0" bIns="0" anchor="ctr">
+            <a:noAutofit/>
+          </a:bodyPr>
+          <a:p>
+            <a:endParaRPr b="1" lang="fr-FR" sz="2700" spc="-1" strike="noStrike">
+              <a:solidFill>
+                <a:srgbClr val="ffffff"/>
+              </a:solidFill>
+              <a:latin typeface="Source Sans Pro Black"/>
+            </a:endParaRPr>
+          </a:p>
+        </p:txBody>
+      </p:sp>
+      <p:sp>
+        <p:nvSpPr>
+          <p:cNvPr id="68" name="PlaceHolder 2"/>
+          <p:cNvSpPr>
+            <a:spLocks noGrp="1"/>
+          </p:cNvSpPr>
+          <p:nvPr>
+            <p:ph type="body"/>
+          </p:nvPr>
+        </p:nvSpPr>
+        <p:spPr>
+          <a:xfrm>
+            <a:off x="360000" y="1485000"/>
+            <a:ext cx="9360720" cy="1802880"/>
+          </a:xfrm>
+          <a:prstGeom prst="rect">
+            <a:avLst/>
+          </a:prstGeom>
+        </p:spPr>
+        <p:txBody>
+          <a:bodyPr lIns="0" rIns="0" tIns="0" bIns="0">
+            <a:normAutofit/>
+          </a:bodyPr>
+          <a:p>
+            <a:endParaRPr b="1" lang="fr-FR" sz="2400" spc="-1" strike="noStrike">
+              <a:solidFill>
+                <a:srgbClr val="2c3e50"/>
+              </a:solidFill>
+              <a:latin typeface="Source Sans Pro Semibold"/>
+            </a:endParaRPr>
+          </a:p>
+        </p:txBody>
+      </p:sp>
+      <p:sp>
+        <p:nvSpPr>
+          <p:cNvPr id="69" name="PlaceHolder 3"/>
+          <p:cNvSpPr>
+            <a:spLocks noGrp="1"/>
+          </p:cNvSpPr>
+          <p:nvPr>
+            <p:ph type="body"/>
+          </p:nvPr>
+        </p:nvSpPr>
+        <p:spPr>
+          <a:xfrm>
+            <a:off x="360000" y="3459600"/>
+            <a:ext cx="9360720" cy="1802880"/>
+          </a:xfrm>
+          <a:prstGeom prst="rect">
+            <a:avLst/>
+          </a:prstGeom>
+        </p:spPr>
+        <p:txBody>
+          <a:bodyPr lIns="0" rIns="0" tIns="0" bIns="0">
+            <a:normAutofit/>
+          </a:bodyPr>
+          <a:p>
+            <a:endParaRPr b="1" lang="fr-FR" sz="2400" spc="-1" strike="noStrike">
+              <a:solidFill>
+                <a:srgbClr val="2c3e50"/>
+              </a:solidFill>
+              <a:latin typeface="Source Sans Pro Semibold"/>
+            </a:endParaRPr>
+          </a:p>
+        </p:txBody>
+      </p:sp>
+    </p:spTree>
+  </p:cSld>
+</p:sldLayout>
+</file>
+
+<file path=ppt/slideLayouts/slideLayout23.xml><?xml version="1.0" encoding="utf-8"?>
+<p:sldLayout xmlns:a="http://schemas.openxmlformats.org/drawingml/2006/main" xmlns:p="http://schemas.openxmlformats.org/presentationml/2006/main" xmlns:r="http://schemas.openxmlformats.org/officeDocument/2006/relationships" xmlns:p14="http://schemas.microsoft.com/office/powerpoint/2010/main" xmlns:p15="http://schemas.microsoft.com/office/powerpoint/2012/main" xmlns:mc="http://schemas.openxmlformats.org/markup-compatibility/2006" type="fourObj" preserve="1">
+  <p:cSld name="Title, 4 Content">
+    <p:spTree>
+      <p:nvGrpSpPr>
+        <p:cNvPr id="1" name=""/>
+        <p:cNvGrpSpPr/>
+        <p:nvPr/>
+      </p:nvGrpSpPr>
+      <p:grpSpPr>
+        <a:xfrm>
+          <a:off x="0" y="0"/>
+          <a:ext cx="0" cy="0"/>
+          <a:chOff x="0" y="0"/>
+          <a:chExt cx="0" cy="0"/>
+        </a:xfrm>
+      </p:grpSpPr>
+      <p:sp>
+        <p:nvSpPr>
+          <p:cNvPr id="70" name="PlaceHolder 1"/>
+          <p:cNvSpPr>
+            <a:spLocks noGrp="1"/>
+          </p:cNvSpPr>
+          <p:nvPr>
+            <p:ph type="title"/>
+          </p:nvPr>
+        </p:nvSpPr>
+        <p:spPr>
+          <a:xfrm>
+            <a:off x="360000" y="226080"/>
+            <a:ext cx="9360720" cy="718920"/>
+          </a:xfrm>
+          <a:prstGeom prst="rect">
+            <a:avLst/>
+          </a:prstGeom>
+        </p:spPr>
+        <p:txBody>
+          <a:bodyPr lIns="0" rIns="0" tIns="0" bIns="0" anchor="ctr">
+            <a:noAutofit/>
+          </a:bodyPr>
+          <a:p>
+            <a:endParaRPr b="1" lang="fr-FR" sz="2700" spc="-1" strike="noStrike">
+              <a:solidFill>
+                <a:srgbClr val="ffffff"/>
+              </a:solidFill>
+              <a:latin typeface="Source Sans Pro Black"/>
+            </a:endParaRPr>
+          </a:p>
+        </p:txBody>
+      </p:sp>
+      <p:sp>
+        <p:nvSpPr>
+          <p:cNvPr id="71" name="PlaceHolder 2"/>
+          <p:cNvSpPr>
+            <a:spLocks noGrp="1"/>
+          </p:cNvSpPr>
+          <p:nvPr>
+            <p:ph type="body"/>
+          </p:nvPr>
+        </p:nvSpPr>
+        <p:spPr>
+          <a:xfrm>
+            <a:off x="360000" y="1485000"/>
+            <a:ext cx="4567680" cy="1802880"/>
+          </a:xfrm>
+          <a:prstGeom prst="rect">
+            <a:avLst/>
+          </a:prstGeom>
+        </p:spPr>
+        <p:txBody>
+          <a:bodyPr lIns="0" rIns="0" tIns="0" bIns="0">
+            <a:normAutofit/>
+          </a:bodyPr>
+          <a:p>
+            <a:endParaRPr b="1" lang="fr-FR" sz="2400" spc="-1" strike="noStrike">
+              <a:solidFill>
+                <a:srgbClr val="2c3e50"/>
+              </a:solidFill>
+              <a:latin typeface="Source Sans Pro Semibold"/>
+            </a:endParaRPr>
+          </a:p>
+        </p:txBody>
+      </p:sp>
+      <p:sp>
+        <p:nvSpPr>
+          <p:cNvPr id="72" name="PlaceHolder 3"/>
+          <p:cNvSpPr>
+            <a:spLocks noGrp="1"/>
+          </p:cNvSpPr>
+          <p:nvPr>
+            <p:ph type="body"/>
+          </p:nvPr>
+        </p:nvSpPr>
+        <p:spPr>
+          <a:xfrm>
+            <a:off x="5156280" y="1485000"/>
+            <a:ext cx="4567680" cy="1802880"/>
+          </a:xfrm>
+          <a:prstGeom prst="rect">
+            <a:avLst/>
+          </a:prstGeom>
+        </p:spPr>
+        <p:txBody>
+          <a:bodyPr lIns="0" rIns="0" tIns="0" bIns="0">
+            <a:normAutofit/>
+          </a:bodyPr>
+          <a:p>
+            <a:endParaRPr b="1" lang="fr-FR" sz="2400" spc="-1" strike="noStrike">
+              <a:solidFill>
+                <a:srgbClr val="2c3e50"/>
+              </a:solidFill>
+              <a:latin typeface="Source Sans Pro Semibold"/>
+            </a:endParaRPr>
+          </a:p>
+        </p:txBody>
+      </p:sp>
+      <p:sp>
+        <p:nvSpPr>
+          <p:cNvPr id="73" name="PlaceHolder 4"/>
+          <p:cNvSpPr>
+            <a:spLocks noGrp="1"/>
+          </p:cNvSpPr>
+          <p:nvPr>
+            <p:ph type="body"/>
+          </p:nvPr>
+        </p:nvSpPr>
+        <p:spPr>
+          <a:xfrm>
+            <a:off x="360000" y="3459600"/>
+            <a:ext cx="4567680" cy="1802880"/>
+          </a:xfrm>
+          <a:prstGeom prst="rect">
+            <a:avLst/>
+          </a:prstGeom>
+        </p:spPr>
+        <p:txBody>
+          <a:bodyPr lIns="0" rIns="0" tIns="0" bIns="0">
+            <a:normAutofit/>
+          </a:bodyPr>
+          <a:p>
+            <a:endParaRPr b="1" lang="fr-FR" sz="2400" spc="-1" strike="noStrike">
+              <a:solidFill>
+                <a:srgbClr val="2c3e50"/>
+              </a:solidFill>
+              <a:latin typeface="Source Sans Pro Semibold"/>
+            </a:endParaRPr>
+          </a:p>
+        </p:txBody>
+      </p:sp>
+      <p:sp>
+        <p:nvSpPr>
+          <p:cNvPr id="74" name="PlaceHolder 5"/>
+          <p:cNvSpPr>
+            <a:spLocks noGrp="1"/>
+          </p:cNvSpPr>
+          <p:nvPr>
+            <p:ph type="body"/>
+          </p:nvPr>
+        </p:nvSpPr>
+        <p:spPr>
+          <a:xfrm>
+            <a:off x="5156280" y="3459600"/>
+            <a:ext cx="4567680" cy="1802880"/>
+          </a:xfrm>
+          <a:prstGeom prst="rect">
+            <a:avLst/>
+          </a:prstGeom>
+        </p:spPr>
+        <p:txBody>
+          <a:bodyPr lIns="0" rIns="0" tIns="0" bIns="0">
+            <a:normAutofit/>
+          </a:bodyPr>
+          <a:p>
+            <a:endParaRPr b="1" lang="fr-FR" sz="2400" spc="-1" strike="noStrike">
+              <a:solidFill>
+                <a:srgbClr val="2c3e50"/>
+              </a:solidFill>
+              <a:latin typeface="Source Sans Pro Semibold"/>
+            </a:endParaRPr>
+          </a:p>
+        </p:txBody>
+      </p:sp>
+    </p:spTree>
+  </p:cSld>
+</p:sldLayout>
+</file>
+
+<file path=ppt/slideLayouts/slideLayout24.xml><?xml version="1.0" encoding="utf-8"?>
+<p:sldLayout xmlns:a="http://schemas.openxmlformats.org/drawingml/2006/main" xmlns:p="http://schemas.openxmlformats.org/presentationml/2006/main" xmlns:r="http://schemas.openxmlformats.org/officeDocument/2006/relationships" xmlns:p14="http://schemas.microsoft.com/office/powerpoint/2010/main" xmlns:p15="http://schemas.microsoft.com/office/powerpoint/2012/main" xmlns:mc="http://schemas.openxmlformats.org/markup-compatibility/2006" type="blank" preserve="1">
+  <p:cSld name="Title, 6 Content">
+    <p:spTree>
+      <p:nvGrpSpPr>
+        <p:cNvPr id="1" name=""/>
+        <p:cNvGrpSpPr/>
+        <p:nvPr/>
+      </p:nvGrpSpPr>
+      <p:grpSpPr>
+        <a:xfrm>
+          <a:off x="0" y="0"/>
+          <a:ext cx="0" cy="0"/>
+          <a:chOff x="0" y="0"/>
+          <a:chExt cx="0" cy="0"/>
+        </a:xfrm>
+      </p:grpSpPr>
+      <p:sp>
+        <p:nvSpPr>
+          <p:cNvPr id="75" name="PlaceHolder 1"/>
+          <p:cNvSpPr>
+            <a:spLocks noGrp="1"/>
+          </p:cNvSpPr>
+          <p:nvPr>
+            <p:ph type="title"/>
+          </p:nvPr>
+        </p:nvSpPr>
+        <p:spPr>
+          <a:xfrm>
+            <a:off x="360000" y="226080"/>
+            <a:ext cx="9360720" cy="718920"/>
+          </a:xfrm>
+          <a:prstGeom prst="rect">
+            <a:avLst/>
+          </a:prstGeom>
+        </p:spPr>
+        <p:txBody>
+          <a:bodyPr lIns="0" rIns="0" tIns="0" bIns="0" anchor="ctr">
+            <a:noAutofit/>
+          </a:bodyPr>
+          <a:p>
+            <a:endParaRPr b="1" lang="fr-FR" sz="2700" spc="-1" strike="noStrike">
+              <a:solidFill>
+                <a:srgbClr val="ffffff"/>
+              </a:solidFill>
+              <a:latin typeface="Source Sans Pro Black"/>
+            </a:endParaRPr>
+          </a:p>
+        </p:txBody>
+      </p:sp>
+      <p:sp>
+        <p:nvSpPr>
+          <p:cNvPr id="76" name="PlaceHolder 2"/>
+          <p:cNvSpPr>
+            <a:spLocks noGrp="1"/>
+          </p:cNvSpPr>
+          <p:nvPr>
+            <p:ph type="body"/>
+          </p:nvPr>
+        </p:nvSpPr>
+        <p:spPr>
+          <a:xfrm>
+            <a:off x="360000" y="1485000"/>
+            <a:ext cx="3013920" cy="1802880"/>
+          </a:xfrm>
+          <a:prstGeom prst="rect">
+            <a:avLst/>
+          </a:prstGeom>
+        </p:spPr>
+        <p:txBody>
+          <a:bodyPr lIns="0" rIns="0" tIns="0" bIns="0">
+            <a:normAutofit/>
+          </a:bodyPr>
+          <a:p>
+            <a:endParaRPr b="1" lang="fr-FR" sz="2400" spc="-1" strike="noStrike">
+              <a:solidFill>
+                <a:srgbClr val="2c3e50"/>
+              </a:solidFill>
+              <a:latin typeface="Source Sans Pro Semibold"/>
+            </a:endParaRPr>
+          </a:p>
+        </p:txBody>
+      </p:sp>
+      <p:sp>
+        <p:nvSpPr>
+          <p:cNvPr id="77" name="PlaceHolder 3"/>
+          <p:cNvSpPr>
+            <a:spLocks noGrp="1"/>
+          </p:cNvSpPr>
+          <p:nvPr>
+            <p:ph type="body"/>
+          </p:nvPr>
+        </p:nvSpPr>
+        <p:spPr>
+          <a:xfrm>
+            <a:off x="3525120" y="1485000"/>
+            <a:ext cx="3013920" cy="1802880"/>
+          </a:xfrm>
+          <a:prstGeom prst="rect">
+            <a:avLst/>
+          </a:prstGeom>
+        </p:spPr>
+        <p:txBody>
+          <a:bodyPr lIns="0" rIns="0" tIns="0" bIns="0">
+            <a:normAutofit/>
+          </a:bodyPr>
+          <a:p>
+            <a:endParaRPr b="1" lang="fr-FR" sz="2400" spc="-1" strike="noStrike">
+              <a:solidFill>
+                <a:srgbClr val="2c3e50"/>
+              </a:solidFill>
+              <a:latin typeface="Source Sans Pro Semibold"/>
+            </a:endParaRPr>
+          </a:p>
+        </p:txBody>
+      </p:sp>
+      <p:sp>
+        <p:nvSpPr>
+          <p:cNvPr id="78" name="PlaceHolder 4"/>
+          <p:cNvSpPr>
+            <a:spLocks noGrp="1"/>
+          </p:cNvSpPr>
+          <p:nvPr>
+            <p:ph type="body"/>
+          </p:nvPr>
+        </p:nvSpPr>
+        <p:spPr>
+          <a:xfrm>
+            <a:off x="6689880" y="1485000"/>
+            <a:ext cx="3013920" cy="1802880"/>
+          </a:xfrm>
+          <a:prstGeom prst="rect">
+            <a:avLst/>
+          </a:prstGeom>
+        </p:spPr>
+        <p:txBody>
+          <a:bodyPr lIns="0" rIns="0" tIns="0" bIns="0">
+            <a:normAutofit/>
+          </a:bodyPr>
+          <a:p>
+            <a:endParaRPr b="1" lang="fr-FR" sz="2400" spc="-1" strike="noStrike">
+              <a:solidFill>
+                <a:srgbClr val="2c3e50"/>
+              </a:solidFill>
+              <a:latin typeface="Source Sans Pro Semibold"/>
+            </a:endParaRPr>
+          </a:p>
+        </p:txBody>
+      </p:sp>
+      <p:sp>
+        <p:nvSpPr>
+          <p:cNvPr id="79" name="PlaceHolder 5"/>
+          <p:cNvSpPr>
+            <a:spLocks noGrp="1"/>
+          </p:cNvSpPr>
+          <p:nvPr>
+            <p:ph type="body"/>
+          </p:nvPr>
+        </p:nvSpPr>
+        <p:spPr>
+          <a:xfrm>
+            <a:off x="360000" y="3459600"/>
+            <a:ext cx="3013920" cy="1802880"/>
+          </a:xfrm>
+          <a:prstGeom prst="rect">
+            <a:avLst/>
+          </a:prstGeom>
+        </p:spPr>
+        <p:txBody>
+          <a:bodyPr lIns="0" rIns="0" tIns="0" bIns="0">
+            <a:normAutofit/>
+          </a:bodyPr>
+          <a:p>
+            <a:endParaRPr b="1" lang="fr-FR" sz="2400" spc="-1" strike="noStrike">
+              <a:solidFill>
+                <a:srgbClr val="2c3e50"/>
+              </a:solidFill>
+              <a:latin typeface="Source Sans Pro Semibold"/>
+            </a:endParaRPr>
+          </a:p>
+        </p:txBody>
+      </p:sp>
+      <p:sp>
+        <p:nvSpPr>
+          <p:cNvPr id="80" name="PlaceHolder 6"/>
+          <p:cNvSpPr>
+            <a:spLocks noGrp="1"/>
+          </p:cNvSpPr>
+          <p:nvPr>
+            <p:ph type="body"/>
+          </p:nvPr>
+        </p:nvSpPr>
+        <p:spPr>
+          <a:xfrm>
+            <a:off x="3525120" y="3459600"/>
+            <a:ext cx="3013920" cy="1802880"/>
+          </a:xfrm>
+          <a:prstGeom prst="rect">
+            <a:avLst/>
+          </a:prstGeom>
+        </p:spPr>
+        <p:txBody>
+          <a:bodyPr lIns="0" rIns="0" tIns="0" bIns="0">
+            <a:normAutofit/>
+          </a:bodyPr>
+          <a:p>
+            <a:endParaRPr b="1" lang="fr-FR" sz="2400" spc="-1" strike="noStrike">
+              <a:solidFill>
+                <a:srgbClr val="2c3e50"/>
+              </a:solidFill>
+              <a:latin typeface="Source Sans Pro Semibold"/>
+            </a:endParaRPr>
+          </a:p>
+        </p:txBody>
+      </p:sp>
+      <p:sp>
+        <p:nvSpPr>
+          <p:cNvPr id="81" name="PlaceHolder 7"/>
+          <p:cNvSpPr>
+            <a:spLocks noGrp="1"/>
+          </p:cNvSpPr>
+          <p:nvPr>
+            <p:ph type="body"/>
+          </p:nvPr>
+        </p:nvSpPr>
+        <p:spPr>
+          <a:xfrm>
+            <a:off x="6689880" y="3459600"/>
+            <a:ext cx="3013920" cy="1802880"/>
+          </a:xfrm>
+          <a:prstGeom prst="rect">
+            <a:avLst/>
+          </a:prstGeom>
+        </p:spPr>
+        <p:txBody>
+          <a:bodyPr lIns="0" rIns="0" tIns="0" bIns="0">
+            <a:normAutofit/>
+          </a:bodyPr>
+          <a:p>
+            <a:endParaRPr b="1" lang="fr-FR" sz="2400" spc="-1" strike="noStrike">
+              <a:solidFill>
+                <a:srgbClr val="2c3e50"/>
+              </a:solidFill>
+              <a:latin typeface="Source Sans Pro Semibold"/>
             </a:endParaRPr>
           </a:p>
         </p:txBody>
@@ -666,8 +2175,8 @@
         </p:nvSpPr>
         <p:spPr>
           <a:xfrm>
-            <a:off x="504000" y="226080"/>
-            <a:ext cx="9071640" cy="946440"/>
+            <a:off x="360000" y="226080"/>
+            <a:ext cx="9360720" cy="718920"/>
           </a:xfrm>
           <a:prstGeom prst="rect">
             <a:avLst/>
@@ -675,12 +2184,14 @@
         </p:spPr>
         <p:txBody>
           <a:bodyPr lIns="0" rIns="0" tIns="0" bIns="0" anchor="ctr">
-            <a:spAutoFit/>
-          </a:bodyPr>
-          <a:p>
-            <a:pPr algn="ctr"/>
-            <a:endParaRPr b="0" lang="fr-FR" sz="4400" spc="-1" strike="noStrike">
-              <a:latin typeface="Arial"/>
+            <a:noAutofit/>
+          </a:bodyPr>
+          <a:p>
+            <a:endParaRPr b="1" lang="fr-FR" sz="2700" spc="-1" strike="noStrike">
+              <a:solidFill>
+                <a:srgbClr val="ffffff"/>
+              </a:solidFill>
+              <a:latin typeface="Source Sans Pro Black"/>
             </a:endParaRPr>
           </a:p>
         </p:txBody>
@@ -697,8 +2208,8 @@
         </p:nvSpPr>
         <p:spPr>
           <a:xfrm>
-            <a:off x="504000" y="1326600"/>
-            <a:ext cx="9071640" cy="3288240"/>
+            <a:off x="360000" y="1485000"/>
+            <a:ext cx="9360720" cy="3780360"/>
           </a:xfrm>
           <a:prstGeom prst="rect">
             <a:avLst/>
@@ -709,8 +2220,11 @@
             <a:normAutofit/>
           </a:bodyPr>
           <a:p>
-            <a:endParaRPr b="0" lang="fr-FR" sz="3200" spc="-1" strike="noStrike">
-              <a:latin typeface="Arial"/>
+            <a:endParaRPr b="1" lang="fr-FR" sz="2400" spc="-1" strike="noStrike">
+              <a:solidFill>
+                <a:srgbClr val="2c3e50"/>
+              </a:solidFill>
+              <a:latin typeface="Source Sans Pro Semibold"/>
             </a:endParaRPr>
           </a:p>
         </p:txBody>
@@ -749,8 +2263,8 @@
         </p:nvSpPr>
         <p:spPr>
           <a:xfrm>
-            <a:off x="504000" y="226080"/>
-            <a:ext cx="9071640" cy="946440"/>
+            <a:off x="360000" y="226080"/>
+            <a:ext cx="9360720" cy="718920"/>
           </a:xfrm>
           <a:prstGeom prst="rect">
             <a:avLst/>
@@ -758,12 +2272,14 @@
         </p:spPr>
         <p:txBody>
           <a:bodyPr lIns="0" rIns="0" tIns="0" bIns="0" anchor="ctr">
-            <a:spAutoFit/>
-          </a:bodyPr>
-          <a:p>
-            <a:pPr algn="ctr"/>
-            <a:endParaRPr b="0" lang="fr-FR" sz="4400" spc="-1" strike="noStrike">
-              <a:latin typeface="Arial"/>
+            <a:noAutofit/>
+          </a:bodyPr>
+          <a:p>
+            <a:endParaRPr b="1" lang="fr-FR" sz="2700" spc="-1" strike="noStrike">
+              <a:solidFill>
+                <a:srgbClr val="ffffff"/>
+              </a:solidFill>
+              <a:latin typeface="Source Sans Pro Black"/>
             </a:endParaRPr>
           </a:p>
         </p:txBody>
@@ -780,8 +2296,8 @@
         </p:nvSpPr>
         <p:spPr>
           <a:xfrm>
-            <a:off x="504000" y="1326600"/>
-            <a:ext cx="4426920" cy="3288240"/>
+            <a:off x="360000" y="1485000"/>
+            <a:ext cx="4567680" cy="3780360"/>
           </a:xfrm>
           <a:prstGeom prst="rect">
             <a:avLst/>
@@ -792,8 +2308,11 @@
             <a:normAutofit/>
           </a:bodyPr>
           <a:p>
-            <a:endParaRPr b="0" lang="fr-FR" sz="3200" spc="-1" strike="noStrike">
-              <a:latin typeface="Arial"/>
+            <a:endParaRPr b="1" lang="fr-FR" sz="2400" spc="-1" strike="noStrike">
+              <a:solidFill>
+                <a:srgbClr val="2c3e50"/>
+              </a:solidFill>
+              <a:latin typeface="Source Sans Pro Semibold"/>
             </a:endParaRPr>
           </a:p>
         </p:txBody>
@@ -810,8 +2329,8 @@
         </p:nvSpPr>
         <p:spPr>
           <a:xfrm>
-            <a:off x="5152680" y="1326600"/>
-            <a:ext cx="4426920" cy="3288240"/>
+            <a:off x="5156280" y="1485000"/>
+            <a:ext cx="4567680" cy="3780360"/>
           </a:xfrm>
           <a:prstGeom prst="rect">
             <a:avLst/>
@@ -822,8 +2341,11 @@
             <a:normAutofit/>
           </a:bodyPr>
           <a:p>
-            <a:endParaRPr b="0" lang="fr-FR" sz="3200" spc="-1" strike="noStrike">
-              <a:latin typeface="Arial"/>
+            <a:endParaRPr b="1" lang="fr-FR" sz="2400" spc="-1" strike="noStrike">
+              <a:solidFill>
+                <a:srgbClr val="2c3e50"/>
+              </a:solidFill>
+              <a:latin typeface="Source Sans Pro Semibold"/>
             </a:endParaRPr>
           </a:p>
         </p:txBody>
@@ -862,8 +2384,8 @@
         </p:nvSpPr>
         <p:spPr>
           <a:xfrm>
-            <a:off x="504000" y="226080"/>
-            <a:ext cx="9071640" cy="946440"/>
+            <a:off x="360000" y="226080"/>
+            <a:ext cx="9360720" cy="718920"/>
           </a:xfrm>
           <a:prstGeom prst="rect">
             <a:avLst/>
@@ -871,12 +2393,14 @@
         </p:spPr>
         <p:txBody>
           <a:bodyPr lIns="0" rIns="0" tIns="0" bIns="0" anchor="ctr">
-            <a:spAutoFit/>
-          </a:bodyPr>
-          <a:p>
-            <a:pPr algn="ctr"/>
-            <a:endParaRPr b="0" lang="fr-FR" sz="4400" spc="-1" strike="noStrike">
-              <a:latin typeface="Arial"/>
+            <a:noAutofit/>
+          </a:bodyPr>
+          <a:p>
+            <a:endParaRPr b="1" lang="fr-FR" sz="2700" spc="-1" strike="noStrike">
+              <a:solidFill>
+                <a:srgbClr val="ffffff"/>
+              </a:solidFill>
+              <a:latin typeface="Source Sans Pro Black"/>
             </a:endParaRPr>
           </a:p>
         </p:txBody>
@@ -915,8 +2439,8 @@
         </p:nvSpPr>
         <p:spPr>
           <a:xfrm>
-            <a:off x="504000" y="226080"/>
-            <a:ext cx="9071640" cy="4388400"/>
+            <a:off x="360000" y="226080"/>
+            <a:ext cx="9360720" cy="3333960"/>
           </a:xfrm>
           <a:prstGeom prst="rect">
             <a:avLst/>
@@ -929,7 +2453,10 @@
           <a:p>
             <a:pPr algn="ctr"/>
             <a:endParaRPr b="0" lang="fr-FR" sz="3200" spc="-1" strike="noStrike">
-              <a:latin typeface="Arial"/>
+              <a:solidFill>
+                <a:srgbClr val="2c3e50"/>
+              </a:solidFill>
+              <a:latin typeface="Source Sans Pro"/>
             </a:endParaRPr>
           </a:p>
         </p:txBody>
@@ -968,8 +2495,8 @@
         </p:nvSpPr>
         <p:spPr>
           <a:xfrm>
-            <a:off x="504000" y="226080"/>
-            <a:ext cx="9071640" cy="946440"/>
+            <a:off x="360000" y="226080"/>
+            <a:ext cx="9360720" cy="718920"/>
           </a:xfrm>
           <a:prstGeom prst="rect">
             <a:avLst/>
@@ -977,12 +2504,14 @@
         </p:spPr>
         <p:txBody>
           <a:bodyPr lIns="0" rIns="0" tIns="0" bIns="0" anchor="ctr">
-            <a:spAutoFit/>
-          </a:bodyPr>
-          <a:p>
-            <a:pPr algn="ctr"/>
-            <a:endParaRPr b="0" lang="fr-FR" sz="4400" spc="-1" strike="noStrike">
-              <a:latin typeface="Arial"/>
+            <a:noAutofit/>
+          </a:bodyPr>
+          <a:p>
+            <a:endParaRPr b="1" lang="fr-FR" sz="2700" spc="-1" strike="noStrike">
+              <a:solidFill>
+                <a:srgbClr val="ffffff"/>
+              </a:solidFill>
+              <a:latin typeface="Source Sans Pro Black"/>
             </a:endParaRPr>
           </a:p>
         </p:txBody>
@@ -999,8 +2528,8 @@
         </p:nvSpPr>
         <p:spPr>
           <a:xfrm>
-            <a:off x="504000" y="1326600"/>
-            <a:ext cx="4426920" cy="1568160"/>
+            <a:off x="360000" y="1485000"/>
+            <a:ext cx="4567680" cy="1802880"/>
           </a:xfrm>
           <a:prstGeom prst="rect">
             <a:avLst/>
@@ -1011,8 +2540,11 @@
             <a:normAutofit/>
           </a:bodyPr>
           <a:p>
-            <a:endParaRPr b="0" lang="fr-FR" sz="3200" spc="-1" strike="noStrike">
-              <a:latin typeface="Arial"/>
+            <a:endParaRPr b="1" lang="fr-FR" sz="2400" spc="-1" strike="noStrike">
+              <a:solidFill>
+                <a:srgbClr val="2c3e50"/>
+              </a:solidFill>
+              <a:latin typeface="Source Sans Pro Semibold"/>
             </a:endParaRPr>
           </a:p>
         </p:txBody>
@@ -1029,8 +2561,8 @@
         </p:nvSpPr>
         <p:spPr>
           <a:xfrm>
-            <a:off x="5152680" y="1326600"/>
-            <a:ext cx="4426920" cy="3288240"/>
+            <a:off x="5156280" y="1485000"/>
+            <a:ext cx="4567680" cy="3780360"/>
           </a:xfrm>
           <a:prstGeom prst="rect">
             <a:avLst/>
@@ -1041,8 +2573,11 @@
             <a:normAutofit/>
           </a:bodyPr>
           <a:p>
-            <a:endParaRPr b="0" lang="fr-FR" sz="3200" spc="-1" strike="noStrike">
-              <a:latin typeface="Arial"/>
+            <a:endParaRPr b="1" lang="fr-FR" sz="2400" spc="-1" strike="noStrike">
+              <a:solidFill>
+                <a:srgbClr val="2c3e50"/>
+              </a:solidFill>
+              <a:latin typeface="Source Sans Pro Semibold"/>
             </a:endParaRPr>
           </a:p>
         </p:txBody>
@@ -1059,8 +2594,8 @@
         </p:nvSpPr>
         <p:spPr>
           <a:xfrm>
-            <a:off x="504000" y="3044160"/>
-            <a:ext cx="4426920" cy="1568160"/>
+            <a:off x="360000" y="3459600"/>
+            <a:ext cx="4567680" cy="1802880"/>
           </a:xfrm>
           <a:prstGeom prst="rect">
             <a:avLst/>
@@ -1071,8 +2606,11 @@
             <a:normAutofit/>
           </a:bodyPr>
           <a:p>
-            <a:endParaRPr b="0" lang="fr-FR" sz="3200" spc="-1" strike="noStrike">
-              <a:latin typeface="Arial"/>
+            <a:endParaRPr b="1" lang="fr-FR" sz="2400" spc="-1" strike="noStrike">
+              <a:solidFill>
+                <a:srgbClr val="2c3e50"/>
+              </a:solidFill>
+              <a:latin typeface="Source Sans Pro Semibold"/>
             </a:endParaRPr>
           </a:p>
         </p:txBody>
@@ -1111,8 +2649,8 @@
         </p:nvSpPr>
         <p:spPr>
           <a:xfrm>
-            <a:off x="504000" y="226080"/>
-            <a:ext cx="9071640" cy="946440"/>
+            <a:off x="360000" y="226080"/>
+            <a:ext cx="9360720" cy="718920"/>
           </a:xfrm>
           <a:prstGeom prst="rect">
             <a:avLst/>
@@ -1120,12 +2658,14 @@
         </p:spPr>
         <p:txBody>
           <a:bodyPr lIns="0" rIns="0" tIns="0" bIns="0" anchor="ctr">
-            <a:spAutoFit/>
-          </a:bodyPr>
-          <a:p>
-            <a:pPr algn="ctr"/>
-            <a:endParaRPr b="0" lang="fr-FR" sz="4400" spc="-1" strike="noStrike">
-              <a:latin typeface="Arial"/>
+            <a:noAutofit/>
+          </a:bodyPr>
+          <a:p>
+            <a:endParaRPr b="1" lang="fr-FR" sz="2700" spc="-1" strike="noStrike">
+              <a:solidFill>
+                <a:srgbClr val="ffffff"/>
+              </a:solidFill>
+              <a:latin typeface="Source Sans Pro Black"/>
             </a:endParaRPr>
           </a:p>
         </p:txBody>
@@ -1142,8 +2682,8 @@
         </p:nvSpPr>
         <p:spPr>
           <a:xfrm>
-            <a:off x="504000" y="1326600"/>
-            <a:ext cx="4426920" cy="3288240"/>
+            <a:off x="360000" y="1485000"/>
+            <a:ext cx="4567680" cy="3780360"/>
           </a:xfrm>
           <a:prstGeom prst="rect">
             <a:avLst/>
@@ -1154,8 +2694,11 @@
             <a:normAutofit/>
           </a:bodyPr>
           <a:p>
-            <a:endParaRPr b="0" lang="fr-FR" sz="3200" spc="-1" strike="noStrike">
-              <a:latin typeface="Arial"/>
+            <a:endParaRPr b="1" lang="fr-FR" sz="2400" spc="-1" strike="noStrike">
+              <a:solidFill>
+                <a:srgbClr val="2c3e50"/>
+              </a:solidFill>
+              <a:latin typeface="Source Sans Pro Semibold"/>
             </a:endParaRPr>
           </a:p>
         </p:txBody>
@@ -1172,8 +2715,8 @@
         </p:nvSpPr>
         <p:spPr>
           <a:xfrm>
-            <a:off x="5152680" y="1326600"/>
-            <a:ext cx="4426920" cy="1568160"/>
+            <a:off x="5156280" y="1485000"/>
+            <a:ext cx="4567680" cy="1802880"/>
           </a:xfrm>
           <a:prstGeom prst="rect">
             <a:avLst/>
@@ -1184,8 +2727,11 @@
             <a:normAutofit/>
           </a:bodyPr>
           <a:p>
-            <a:endParaRPr b="0" lang="fr-FR" sz="3200" spc="-1" strike="noStrike">
-              <a:latin typeface="Arial"/>
+            <a:endParaRPr b="1" lang="fr-FR" sz="2400" spc="-1" strike="noStrike">
+              <a:solidFill>
+                <a:srgbClr val="2c3e50"/>
+              </a:solidFill>
+              <a:latin typeface="Source Sans Pro Semibold"/>
             </a:endParaRPr>
           </a:p>
         </p:txBody>
@@ -1202,8 +2748,8 @@
         </p:nvSpPr>
         <p:spPr>
           <a:xfrm>
-            <a:off x="5152680" y="3044160"/>
-            <a:ext cx="4426920" cy="1568160"/>
+            <a:off x="5156280" y="3459600"/>
+            <a:ext cx="4567680" cy="1802880"/>
           </a:xfrm>
           <a:prstGeom prst="rect">
             <a:avLst/>
@@ -1214,8 +2760,11 @@
             <a:normAutofit/>
           </a:bodyPr>
           <a:p>
-            <a:endParaRPr b="0" lang="fr-FR" sz="3200" spc="-1" strike="noStrike">
-              <a:latin typeface="Arial"/>
+            <a:endParaRPr b="1" lang="fr-FR" sz="2400" spc="-1" strike="noStrike">
+              <a:solidFill>
+                <a:srgbClr val="2c3e50"/>
+              </a:solidFill>
+              <a:latin typeface="Source Sans Pro Semibold"/>
             </a:endParaRPr>
           </a:p>
         </p:txBody>
@@ -1254,8 +2803,8 @@
         </p:nvSpPr>
         <p:spPr>
           <a:xfrm>
-            <a:off x="504000" y="226080"/>
-            <a:ext cx="9071640" cy="946440"/>
+            <a:off x="360000" y="226080"/>
+            <a:ext cx="9360720" cy="718920"/>
           </a:xfrm>
           <a:prstGeom prst="rect">
             <a:avLst/>
@@ -1263,12 +2812,14 @@
         </p:spPr>
         <p:txBody>
           <a:bodyPr lIns="0" rIns="0" tIns="0" bIns="0" anchor="ctr">
-            <a:spAutoFit/>
-          </a:bodyPr>
-          <a:p>
-            <a:pPr algn="ctr"/>
-            <a:endParaRPr b="0" lang="fr-FR" sz="4400" spc="-1" strike="noStrike">
-              <a:latin typeface="Arial"/>
+            <a:noAutofit/>
+          </a:bodyPr>
+          <a:p>
+            <a:endParaRPr b="1" lang="fr-FR" sz="2700" spc="-1" strike="noStrike">
+              <a:solidFill>
+                <a:srgbClr val="ffffff"/>
+              </a:solidFill>
+              <a:latin typeface="Source Sans Pro Black"/>
             </a:endParaRPr>
           </a:p>
         </p:txBody>
@@ -1285,8 +2836,8 @@
         </p:nvSpPr>
         <p:spPr>
           <a:xfrm>
-            <a:off x="504000" y="1326600"/>
-            <a:ext cx="4426920" cy="1568160"/>
+            <a:off x="360000" y="1485000"/>
+            <a:ext cx="4567680" cy="1802880"/>
           </a:xfrm>
           <a:prstGeom prst="rect">
             <a:avLst/>
@@ -1297,8 +2848,11 @@
             <a:normAutofit/>
           </a:bodyPr>
           <a:p>
-            <a:endParaRPr b="0" lang="fr-FR" sz="3200" spc="-1" strike="noStrike">
-              <a:latin typeface="Arial"/>
+            <a:endParaRPr b="1" lang="fr-FR" sz="2400" spc="-1" strike="noStrike">
+              <a:solidFill>
+                <a:srgbClr val="2c3e50"/>
+              </a:solidFill>
+              <a:latin typeface="Source Sans Pro Semibold"/>
             </a:endParaRPr>
           </a:p>
         </p:txBody>
@@ -1315,8 +2869,8 @@
         </p:nvSpPr>
         <p:spPr>
           <a:xfrm>
-            <a:off x="5152680" y="1326600"/>
-            <a:ext cx="4426920" cy="1568160"/>
+            <a:off x="5156280" y="1485000"/>
+            <a:ext cx="4567680" cy="1802880"/>
           </a:xfrm>
           <a:prstGeom prst="rect">
             <a:avLst/>
@@ -1327,8 +2881,11 @@
             <a:normAutofit/>
           </a:bodyPr>
           <a:p>
-            <a:endParaRPr b="0" lang="fr-FR" sz="3200" spc="-1" strike="noStrike">
-              <a:latin typeface="Arial"/>
+            <a:endParaRPr b="1" lang="fr-FR" sz="2400" spc="-1" strike="noStrike">
+              <a:solidFill>
+                <a:srgbClr val="2c3e50"/>
+              </a:solidFill>
+              <a:latin typeface="Source Sans Pro Semibold"/>
             </a:endParaRPr>
           </a:p>
         </p:txBody>
@@ -1345,8 +2902,8 @@
         </p:nvSpPr>
         <p:spPr>
           <a:xfrm>
-            <a:off x="504000" y="3044160"/>
-            <a:ext cx="9071640" cy="1568160"/>
+            <a:off x="360000" y="3459600"/>
+            <a:ext cx="9360720" cy="1802880"/>
           </a:xfrm>
           <a:prstGeom prst="rect">
             <a:avLst/>
@@ -1357,8 +2914,11 @@
             <a:normAutofit/>
           </a:bodyPr>
           <a:p>
-            <a:endParaRPr b="0" lang="fr-FR" sz="3200" spc="-1" strike="noStrike">
-              <a:latin typeface="Arial"/>
+            <a:endParaRPr b="1" lang="fr-FR" sz="2400" spc="-1" strike="noStrike">
+              <a:solidFill>
+                <a:srgbClr val="2c3e50"/>
+              </a:solidFill>
+              <a:latin typeface="Source Sans Pro Semibold"/>
             </a:endParaRPr>
           </a:p>
         </p:txBody>
@@ -1405,7 +2965,7 @@
         <p:spPr>
           <a:xfrm>
             <a:off x="504000" y="226080"/>
-            <a:ext cx="9071640" cy="946440"/>
+            <a:ext cx="9072000" cy="946440"/>
           </a:xfrm>
           <a:prstGeom prst="rect">
             <a:avLst/>
@@ -1442,7 +3002,7 @@
         <p:spPr>
           <a:xfrm>
             <a:off x="504000" y="1326600"/>
-            <a:ext cx="9071640" cy="3288240"/>
+            <a:ext cx="9072000" cy="3288600"/>
           </a:xfrm>
           <a:prstGeom prst="rect">
             <a:avLst/>
@@ -1628,16 +3188,9 @@
 </p:sldMaster>
 </file>
 
-<file path=ppt/slides/slide1.xml><?xml version="1.0" encoding="utf-8"?>
-<p:sld xmlns:a="http://schemas.openxmlformats.org/drawingml/2006/main" xmlns:p="http://schemas.openxmlformats.org/presentationml/2006/main" xmlns:r="http://schemas.openxmlformats.org/officeDocument/2006/relationships" xmlns:p14="http://schemas.microsoft.com/office/powerpoint/2010/main" xmlns:p15="http://schemas.microsoft.com/office/powerpoint/2012/main" xmlns:mc="http://schemas.openxmlformats.org/markup-compatibility/2006">
+<file path=ppt/slideMasters/slideMaster2.xml><?xml version="1.0" encoding="utf-8"?>
+<p:sldMaster xmlns:a="http://schemas.openxmlformats.org/drawingml/2006/main" xmlns:p="http://schemas.openxmlformats.org/presentationml/2006/main" xmlns:r="http://schemas.openxmlformats.org/officeDocument/2006/relationships" xmlns:p14="http://schemas.microsoft.com/office/powerpoint/2010/main" xmlns:p15="http://schemas.microsoft.com/office/powerpoint/2012/main" xmlns:mc="http://schemas.openxmlformats.org/markup-compatibility/2006">
   <p:cSld>
-    <p:bg>
-      <p:bgPr>
-        <a:solidFill>
-          <a:srgbClr val="ffffff"/>
-        </a:solidFill>
-      </p:bgPr>
-    </p:bg>
     <p:spTree>
       <p:nvGrpSpPr>
         <p:cNvPr id="1" name=""/>
@@ -1652,6 +3205,1866 @@
           <a:chExt cx="0" cy="0"/>
         </a:xfrm>
       </p:grpSpPr>
+      <p:sp>
+        <p:nvSpPr>
+          <p:cNvPr id="38" name="CustomShape 1"/>
+          <p:cNvSpPr/>
+          <p:nvPr/>
+        </p:nvSpPr>
+        <p:spPr>
+          <a:xfrm>
+            <a:off x="0" y="5400360"/>
+            <a:ext cx="10080720" cy="270000"/>
+          </a:xfrm>
+          <a:prstGeom prst="rect">
+            <a:avLst/>
+          </a:prstGeom>
+          <a:solidFill>
+            <a:srgbClr val="2c3e50"/>
+          </a:solidFill>
+          <a:ln>
+            <a:noFill/>
+          </a:ln>
+        </p:spPr>
+        <p:style>
+          <a:lnRef idx="0"/>
+          <a:fillRef idx="0"/>
+          <a:effectRef idx="0"/>
+          <a:fontRef idx="minor"/>
+        </p:style>
+      </p:sp>
+      <p:sp>
+        <p:nvSpPr>
+          <p:cNvPr id="39" name="CustomShape 2"/>
+          <p:cNvSpPr/>
+          <p:nvPr/>
+        </p:nvSpPr>
+        <p:spPr>
+          <a:xfrm>
+            <a:off x="0" y="0"/>
+            <a:ext cx="10080720" cy="1215000"/>
+          </a:xfrm>
+          <a:prstGeom prst="rect">
+            <a:avLst/>
+          </a:prstGeom>
+          <a:solidFill>
+            <a:srgbClr val="2c3e50"/>
+          </a:solidFill>
+          <a:ln>
+            <a:noFill/>
+          </a:ln>
+        </p:spPr>
+        <p:style>
+          <a:lnRef idx="0"/>
+          <a:fillRef idx="0"/>
+          <a:effectRef idx="0"/>
+          <a:fontRef idx="minor"/>
+        </p:style>
+      </p:sp>
+      <p:sp>
+        <p:nvSpPr>
+          <p:cNvPr id="40" name="PlaceHolder 3"/>
+          <p:cNvSpPr>
+            <a:spLocks noGrp="1"/>
+          </p:cNvSpPr>
+          <p:nvPr>
+            <p:ph type="title"/>
+          </p:nvPr>
+        </p:nvSpPr>
+        <p:spPr>
+          <a:xfrm>
+            <a:off x="360000" y="226080"/>
+            <a:ext cx="9360720" cy="718920"/>
+          </a:xfrm>
+          <a:prstGeom prst="rect">
+            <a:avLst/>
+          </a:prstGeom>
+        </p:spPr>
+        <p:txBody>
+          <a:bodyPr lIns="0" rIns="0" tIns="0" bIns="0" anchor="ctr">
+            <a:noAutofit/>
+          </a:bodyPr>
+          <a:p>
+            <a:r>
+              <a:rPr b="1" lang="fr-FR" sz="2700" spc="-1" strike="noStrike">
+                <a:solidFill>
+                  <a:srgbClr val="ffffff"/>
+                </a:solidFill>
+                <a:latin typeface="Source Sans Pro Black"/>
+              </a:rPr>
+              <a:t>Cliquez pour éditer le format du texte-titre</a:t>
+            </a:r>
+            <a:endParaRPr b="1" lang="fr-FR" sz="2700" spc="-1" strike="noStrike">
+              <a:solidFill>
+                <a:srgbClr val="ffffff"/>
+              </a:solidFill>
+              <a:latin typeface="Source Sans Pro Black"/>
+            </a:endParaRPr>
+          </a:p>
+        </p:txBody>
+      </p:sp>
+      <p:sp>
+        <p:nvSpPr>
+          <p:cNvPr id="41" name="PlaceHolder 4"/>
+          <p:cNvSpPr>
+            <a:spLocks noGrp="1"/>
+          </p:cNvSpPr>
+          <p:nvPr>
+            <p:ph type="body"/>
+          </p:nvPr>
+        </p:nvSpPr>
+        <p:spPr>
+          <a:xfrm>
+            <a:off x="360000" y="1485000"/>
+            <a:ext cx="9360720" cy="3780360"/>
+          </a:xfrm>
+          <a:prstGeom prst="rect">
+            <a:avLst/>
+          </a:prstGeom>
+        </p:spPr>
+        <p:txBody>
+          <a:bodyPr lIns="0" rIns="0" tIns="0" bIns="0">
+            <a:spAutoFit/>
+          </a:bodyPr>
+          <a:p>
+            <a:pPr marL="432000" indent="-324000">
+              <a:spcAft>
+                <a:spcPts val="1057"/>
+              </a:spcAft>
+              <a:buClr>
+                <a:srgbClr val="2c3e50"/>
+              </a:buClr>
+              <a:buSzPct val="45000"/>
+              <a:buFont typeface="Wingdings" charset="2"/>
+              <a:buChar char=""/>
+            </a:pPr>
+            <a:r>
+              <a:rPr b="1" lang="fr-FR" sz="2400" spc="-1" strike="noStrike">
+                <a:solidFill>
+                  <a:srgbClr val="2c3e50"/>
+                </a:solidFill>
+                <a:latin typeface="Source Sans Pro Semibold"/>
+              </a:rPr>
+              <a:t>Cliquez pour éditer le format du plan de texte</a:t>
+            </a:r>
+            <a:endParaRPr b="1" lang="fr-FR" sz="2400" spc="-1" strike="noStrike">
+              <a:solidFill>
+                <a:srgbClr val="2c3e50"/>
+              </a:solidFill>
+              <a:latin typeface="Source Sans Pro Semibold"/>
+            </a:endParaRPr>
+          </a:p>
+          <a:p>
+            <a:pPr lvl="1" marL="864000" indent="-324000">
+              <a:spcAft>
+                <a:spcPts val="850"/>
+              </a:spcAft>
+              <a:buClr>
+                <a:srgbClr val="2c3e50"/>
+              </a:buClr>
+              <a:buSzPct val="75000"/>
+              <a:buFont typeface="Symbol" charset="2"/>
+              <a:buChar char=""/>
+            </a:pPr>
+            <a:r>
+              <a:rPr b="0" lang="fr-FR" sz="2100" spc="-1" strike="noStrike">
+                <a:solidFill>
+                  <a:srgbClr val="2c3e50"/>
+                </a:solidFill>
+                <a:latin typeface="Source Sans Pro"/>
+              </a:rPr>
+              <a:t>Second niveau de plan</a:t>
+            </a:r>
+            <a:endParaRPr b="0" lang="fr-FR" sz="2100" spc="-1" strike="noStrike">
+              <a:solidFill>
+                <a:srgbClr val="2c3e50"/>
+              </a:solidFill>
+              <a:latin typeface="Source Sans Pro"/>
+            </a:endParaRPr>
+          </a:p>
+          <a:p>
+            <a:pPr lvl="2" marL="1296000" indent="-288000">
+              <a:spcAft>
+                <a:spcPts val="635"/>
+              </a:spcAft>
+              <a:buClr>
+                <a:srgbClr val="2c3e50"/>
+              </a:buClr>
+              <a:buSzPct val="45000"/>
+              <a:buFont typeface="Wingdings" charset="2"/>
+              <a:buChar char=""/>
+            </a:pPr>
+            <a:r>
+              <a:rPr b="0" lang="fr-FR" sz="1800" spc="-1" strike="noStrike">
+                <a:solidFill>
+                  <a:srgbClr val="2c3e50"/>
+                </a:solidFill>
+                <a:latin typeface="Source Sans Pro"/>
+              </a:rPr>
+              <a:t>Troisième niveau de plan</a:t>
+            </a:r>
+            <a:endParaRPr b="0" lang="fr-FR" sz="1800" spc="-1" strike="noStrike">
+              <a:solidFill>
+                <a:srgbClr val="2c3e50"/>
+              </a:solidFill>
+              <a:latin typeface="Source Sans Pro"/>
+            </a:endParaRPr>
+          </a:p>
+          <a:p>
+            <a:pPr lvl="3" marL="1728000" indent="-216000">
+              <a:spcAft>
+                <a:spcPts val="422"/>
+              </a:spcAft>
+              <a:buClr>
+                <a:srgbClr val="2c3e50"/>
+              </a:buClr>
+              <a:buSzPct val="75000"/>
+              <a:buFont typeface="Symbol" charset="2"/>
+              <a:buChar char=""/>
+            </a:pPr>
+            <a:r>
+              <a:rPr b="0" lang="fr-FR" sz="1500" spc="-1" strike="noStrike">
+                <a:solidFill>
+                  <a:srgbClr val="2c3e50"/>
+                </a:solidFill>
+                <a:latin typeface="Source Sans Pro"/>
+              </a:rPr>
+              <a:t>Quatrième niveau de plan</a:t>
+            </a:r>
+            <a:endParaRPr b="0" lang="fr-FR" sz="1500" spc="-1" strike="noStrike">
+              <a:solidFill>
+                <a:srgbClr val="2c3e50"/>
+              </a:solidFill>
+              <a:latin typeface="Source Sans Pro"/>
+            </a:endParaRPr>
+          </a:p>
+          <a:p>
+            <a:pPr lvl="4" marL="2160000" indent="-216000">
+              <a:spcAft>
+                <a:spcPts val="210"/>
+              </a:spcAft>
+              <a:buClr>
+                <a:srgbClr val="2c3e50"/>
+              </a:buClr>
+              <a:buSzPct val="45000"/>
+              <a:buFont typeface="Wingdings" charset="2"/>
+              <a:buChar char=""/>
+            </a:pPr>
+            <a:r>
+              <a:rPr b="0" lang="fr-FR" sz="1500" spc="-1" strike="noStrike">
+                <a:solidFill>
+                  <a:srgbClr val="2c3e50"/>
+                </a:solidFill>
+                <a:latin typeface="Source Sans Pro"/>
+              </a:rPr>
+              <a:t>Cinquième niveau de plan</a:t>
+            </a:r>
+            <a:endParaRPr b="0" lang="fr-FR" sz="1500" spc="-1" strike="noStrike">
+              <a:solidFill>
+                <a:srgbClr val="2c3e50"/>
+              </a:solidFill>
+              <a:latin typeface="Source Sans Pro"/>
+            </a:endParaRPr>
+          </a:p>
+          <a:p>
+            <a:pPr lvl="5" marL="2592000" indent="-216000">
+              <a:spcAft>
+                <a:spcPts val="210"/>
+              </a:spcAft>
+              <a:buClr>
+                <a:srgbClr val="2c3e50"/>
+              </a:buClr>
+              <a:buSzPct val="45000"/>
+              <a:buFont typeface="Wingdings" charset="2"/>
+              <a:buChar char=""/>
+            </a:pPr>
+            <a:r>
+              <a:rPr b="0" lang="fr-FR" sz="1500" spc="-1" strike="noStrike">
+                <a:solidFill>
+                  <a:srgbClr val="2c3e50"/>
+                </a:solidFill>
+                <a:latin typeface="Source Sans Pro"/>
+              </a:rPr>
+              <a:t>Sixième niveau de plan</a:t>
+            </a:r>
+            <a:endParaRPr b="0" lang="fr-FR" sz="1500" spc="-1" strike="noStrike">
+              <a:solidFill>
+                <a:srgbClr val="2c3e50"/>
+              </a:solidFill>
+              <a:latin typeface="Source Sans Pro"/>
+            </a:endParaRPr>
+          </a:p>
+          <a:p>
+            <a:pPr lvl="6" marL="3024000" indent="-216000">
+              <a:spcAft>
+                <a:spcPts val="210"/>
+              </a:spcAft>
+              <a:buClr>
+                <a:srgbClr val="2c3e50"/>
+              </a:buClr>
+              <a:buSzPct val="45000"/>
+              <a:buFont typeface="Wingdings" charset="2"/>
+              <a:buChar char=""/>
+            </a:pPr>
+            <a:r>
+              <a:rPr b="0" lang="fr-FR" sz="1500" spc="-1" strike="noStrike">
+                <a:solidFill>
+                  <a:srgbClr val="2c3e50"/>
+                </a:solidFill>
+                <a:latin typeface="Source Sans Pro"/>
+              </a:rPr>
+              <a:t>Septième niveau de plan</a:t>
+            </a:r>
+            <a:endParaRPr b="0" lang="fr-FR" sz="1500" spc="-1" strike="noStrike">
+              <a:solidFill>
+                <a:srgbClr val="2c3e50"/>
+              </a:solidFill>
+              <a:latin typeface="Source Sans Pro"/>
+            </a:endParaRPr>
+          </a:p>
+        </p:txBody>
+      </p:sp>
+      <p:sp>
+        <p:nvSpPr>
+          <p:cNvPr id="42" name="PlaceHolder 5"/>
+          <p:cNvSpPr>
+            <a:spLocks noGrp="1"/>
+          </p:cNvSpPr>
+          <p:nvPr>
+            <p:ph type="dt"/>
+          </p:nvPr>
+        </p:nvSpPr>
+        <p:spPr>
+          <a:xfrm>
+            <a:off x="360000" y="5400360"/>
+            <a:ext cx="2880360" cy="270000"/>
+          </a:xfrm>
+          <a:prstGeom prst="rect">
+            <a:avLst/>
+          </a:prstGeom>
+        </p:spPr>
+        <p:txBody>
+          <a:bodyPr lIns="0" rIns="0" tIns="0" bIns="0">
+            <a:noAutofit/>
+          </a:bodyPr>
+          <a:p>
+            <a:r>
+              <a:rPr b="1" lang="fr-FR" sz="1800" spc="-1" strike="noStrike">
+                <a:solidFill>
+                  <a:srgbClr val="ffffff"/>
+                </a:solidFill>
+                <a:latin typeface="Source Sans Pro Black"/>
+              </a:rPr>
+              <a:t> </a:t>
+            </a:r>
+            <a:endParaRPr b="1" lang="fr-FR" sz="1800" spc="-1" strike="noStrike">
+              <a:solidFill>
+                <a:srgbClr val="ffffff"/>
+              </a:solidFill>
+              <a:latin typeface="Source Sans Pro Black"/>
+            </a:endParaRPr>
+          </a:p>
+        </p:txBody>
+      </p:sp>
+      <p:sp>
+        <p:nvSpPr>
+          <p:cNvPr id="43" name="PlaceHolder 6"/>
+          <p:cNvSpPr>
+            <a:spLocks noGrp="1"/>
+          </p:cNvSpPr>
+          <p:nvPr>
+            <p:ph type="ftr"/>
+          </p:nvPr>
+        </p:nvSpPr>
+        <p:spPr>
+          <a:xfrm>
+            <a:off x="3420000" y="5400360"/>
+            <a:ext cx="3240360" cy="270000"/>
+          </a:xfrm>
+          <a:prstGeom prst="rect">
+            <a:avLst/>
+          </a:prstGeom>
+        </p:spPr>
+        <p:txBody>
+          <a:bodyPr lIns="0" rIns="0" tIns="0" bIns="0">
+            <a:noAutofit/>
+          </a:bodyPr>
+          <a:p>
+            <a:pPr algn="ctr"/>
+            <a:r>
+              <a:rPr b="1" lang="fr-FR" sz="1800" spc="-1" strike="noStrike">
+                <a:solidFill>
+                  <a:srgbClr val="ffffff"/>
+                </a:solidFill>
+                <a:latin typeface="Source Sans Pro Black"/>
+              </a:rPr>
+              <a:t> </a:t>
+            </a:r>
+            <a:endParaRPr b="1" lang="fr-FR" sz="1800" spc="-1" strike="noStrike">
+              <a:solidFill>
+                <a:srgbClr val="ffffff"/>
+              </a:solidFill>
+              <a:latin typeface="Source Sans Pro Black"/>
+            </a:endParaRPr>
+          </a:p>
+        </p:txBody>
+      </p:sp>
+      <p:sp>
+        <p:nvSpPr>
+          <p:cNvPr id="44" name="CustomShape 7"/>
+          <p:cNvSpPr/>
+          <p:nvPr/>
+        </p:nvSpPr>
+        <p:spPr>
+          <a:xfrm>
+            <a:off x="9270360" y="5171040"/>
+            <a:ext cx="540000" cy="405000"/>
+          </a:xfrm>
+          <a:prstGeom prst="ellipse">
+            <a:avLst/>
+          </a:prstGeom>
+          <a:solidFill>
+            <a:srgbClr val="1abc9c"/>
+          </a:solidFill>
+          <a:ln>
+            <a:noFill/>
+          </a:ln>
+        </p:spPr>
+        <p:style>
+          <a:lnRef idx="0"/>
+          <a:fillRef idx="0"/>
+          <a:effectRef idx="0"/>
+          <a:fontRef idx="minor"/>
+        </p:style>
+      </p:sp>
+      <p:sp>
+        <p:nvSpPr>
+          <p:cNvPr id="45" name="PlaceHolder 8"/>
+          <p:cNvSpPr>
+            <a:spLocks noGrp="1"/>
+          </p:cNvSpPr>
+          <p:nvPr>
+            <p:ph type="sldNum"/>
+          </p:nvPr>
+        </p:nvSpPr>
+        <p:spPr>
+          <a:xfrm>
+            <a:off x="9180360" y="5103360"/>
+            <a:ext cx="720000" cy="540000"/>
+          </a:xfrm>
+          <a:prstGeom prst="rect">
+            <a:avLst/>
+          </a:prstGeom>
+        </p:spPr>
+        <p:txBody>
+          <a:bodyPr lIns="0" rIns="0" tIns="0" bIns="0" anchor="ctr">
+            <a:noAutofit/>
+          </a:bodyPr>
+          <a:p>
+            <a:pPr algn="ctr"/>
+            <a:fld id="{54793924-64F5-43E6-A54E-832DF09F3BF1}" type="slidenum">
+              <a:rPr b="1" lang="fr-FR" sz="1800" spc="-1" strike="noStrike">
+                <a:solidFill>
+                  <a:srgbClr val="ffffff"/>
+                </a:solidFill>
+                <a:latin typeface="Source Sans Pro Black"/>
+              </a:rPr>
+              <a:t>1</a:t>
+            </a:fld>
+            <a:endParaRPr b="1" lang="fr-FR" sz="1800" spc="-1" strike="noStrike">
+              <a:solidFill>
+                <a:srgbClr val="ffffff"/>
+              </a:solidFill>
+              <a:latin typeface="Source Sans Pro Black"/>
+            </a:endParaRPr>
+          </a:p>
+        </p:txBody>
+      </p:sp>
+    </p:spTree>
+  </p:cSld>
+  <p:clrMap bg1="lt1" bg2="lt2" tx1="dk1" tx2="dk2" accent1="accent1" accent2="accent2" accent3="accent3" accent4="accent4" accent5="accent5" accent6="accent6" hlink="hlink" folHlink="folHlink"/>
+  <p:sldLayoutIdLst>
+    <p:sldLayoutId id="2147483662" r:id="rId2"/>
+    <p:sldLayoutId id="2147483663" r:id="rId3"/>
+    <p:sldLayoutId id="2147483664" r:id="rId4"/>
+    <p:sldLayoutId id="2147483665" r:id="rId5"/>
+    <p:sldLayoutId id="2147483666" r:id="rId6"/>
+    <p:sldLayoutId id="2147483667" r:id="rId7"/>
+    <p:sldLayoutId id="2147483668" r:id="rId8"/>
+    <p:sldLayoutId id="2147483669" r:id="rId9"/>
+    <p:sldLayoutId id="2147483670" r:id="rId10"/>
+    <p:sldLayoutId id="2147483671" r:id="rId11"/>
+    <p:sldLayoutId id="2147483672" r:id="rId12"/>
+    <p:sldLayoutId id="2147483673" r:id="rId13"/>
+  </p:sldLayoutIdLst>
+</p:sldMaster>
+</file>
+
+<file path=ppt/slides/slide1.xml><?xml version="1.0" encoding="utf-8"?>
+<p:sld xmlns:a="http://schemas.openxmlformats.org/drawingml/2006/main" xmlns:p="http://schemas.openxmlformats.org/presentationml/2006/main" xmlns:r="http://schemas.openxmlformats.org/officeDocument/2006/relationships" xmlns:p14="http://schemas.microsoft.com/office/powerpoint/2010/main" xmlns:p15="http://schemas.microsoft.com/office/powerpoint/2012/main" xmlns:mc="http://schemas.openxmlformats.org/markup-compatibility/2006">
+  <p:cSld>
+    <p:spTree>
+      <p:nvGrpSpPr>
+        <p:cNvPr id="1" name=""/>
+        <p:cNvGrpSpPr/>
+        <p:nvPr/>
+      </p:nvGrpSpPr>
+      <p:grpSpPr>
+        <a:xfrm>
+          <a:off x="0" y="0"/>
+          <a:ext cx="0" cy="0"/>
+          <a:chOff x="0" y="0"/>
+          <a:chExt cx="0" cy="0"/>
+        </a:xfrm>
+      </p:grpSpPr>
+      <p:sp>
+        <p:nvSpPr>
+          <p:cNvPr id="82" name="TextShape 1"/>
+          <p:cNvSpPr txBox="1"/>
+          <p:nvPr/>
+        </p:nvSpPr>
+        <p:spPr>
+          <a:xfrm>
+            <a:off x="360000" y="226080"/>
+            <a:ext cx="9360720" cy="3333960"/>
+          </a:xfrm>
+          <a:prstGeom prst="rect">
+            <a:avLst/>
+          </a:prstGeom>
+          <a:noFill/>
+          <a:ln>
+            <a:noFill/>
+          </a:ln>
+        </p:spPr>
+        <p:txBody>
+          <a:bodyPr lIns="0" rIns="0" tIns="0" bIns="0" anchor="ctr">
+            <a:spAutoFit/>
+          </a:bodyPr>
+          <a:p>
+            <a:pPr algn="ctr"/>
+            <a:r>
+              <a:rPr b="0" lang="fr-FR" sz="3200" spc="-1" strike="noStrike">
+                <a:solidFill>
+                  <a:srgbClr val="2c3e50"/>
+                </a:solidFill>
+                <a:latin typeface="Source Sans Pro"/>
+              </a:rPr>
+              <a:t>Modélisation et simulation de la propagation d’une épidémie</a:t>
+            </a:r>
+            <a:endParaRPr b="0" lang="fr-FR" sz="3200" spc="-1" strike="noStrike">
+              <a:solidFill>
+                <a:srgbClr val="2c3e50"/>
+              </a:solidFill>
+              <a:latin typeface="Source Sans Pro"/>
+            </a:endParaRPr>
+          </a:p>
+        </p:txBody>
+      </p:sp>
+    </p:spTree>
+  </p:cSld>
+  <mc:AlternateContent>
+    <mc:Choice Requires="p14">
+      <p:transition spd="slow" p14:dur="2000"/>
+    </mc:Choice>
+    <mc:Fallback>
+      <p:transition spd="slow"/>
+    </mc:Fallback>
+  </mc:AlternateContent>
+</p:sld>
+</file>
+
+<file path=ppt/slides/slide2.xml><?xml version="1.0" encoding="utf-8"?>
+<p:sld xmlns:a="http://schemas.openxmlformats.org/drawingml/2006/main" xmlns:p="http://schemas.openxmlformats.org/presentationml/2006/main" xmlns:r="http://schemas.openxmlformats.org/officeDocument/2006/relationships" xmlns:p14="http://schemas.microsoft.com/office/powerpoint/2010/main" xmlns:p15="http://schemas.microsoft.com/office/powerpoint/2012/main" xmlns:mc="http://schemas.openxmlformats.org/markup-compatibility/2006">
+  <p:cSld>
+    <p:spTree>
+      <p:nvGrpSpPr>
+        <p:cNvPr id="1" name=""/>
+        <p:cNvGrpSpPr/>
+        <p:nvPr/>
+      </p:nvGrpSpPr>
+      <p:grpSpPr>
+        <a:xfrm>
+          <a:off x="0" y="0"/>
+          <a:ext cx="0" cy="0"/>
+          <a:chOff x="0" y="0"/>
+          <a:chExt cx="0" cy="0"/>
+        </a:xfrm>
+      </p:grpSpPr>
+      <p:sp>
+        <p:nvSpPr>
+          <p:cNvPr id="83" name="TextShape 1"/>
+          <p:cNvSpPr txBox="1"/>
+          <p:nvPr/>
+        </p:nvSpPr>
+        <p:spPr>
+          <a:xfrm>
+            <a:off x="360000" y="226080"/>
+            <a:ext cx="9360720" cy="718920"/>
+          </a:xfrm>
+          <a:prstGeom prst="rect">
+            <a:avLst/>
+          </a:prstGeom>
+          <a:noFill/>
+          <a:ln>
+            <a:noFill/>
+          </a:ln>
+        </p:spPr>
+        <p:txBody>
+          <a:bodyPr lIns="0" rIns="0" tIns="0" bIns="0" anchor="ctr">
+            <a:noAutofit/>
+          </a:bodyPr>
+          <a:p>
+            <a:r>
+              <a:rPr b="1" lang="fr-FR" sz="2700" spc="-1" strike="noStrike">
+                <a:solidFill>
+                  <a:srgbClr val="ffffff"/>
+                </a:solidFill>
+                <a:latin typeface="Source Sans Pro Black"/>
+              </a:rPr>
+              <a:t>But de la modélisation</a:t>
+            </a:r>
+            <a:endParaRPr b="1" lang="fr-FR" sz="2700" spc="-1" strike="noStrike">
+              <a:solidFill>
+                <a:srgbClr val="ffffff"/>
+              </a:solidFill>
+              <a:latin typeface="Source Sans Pro Black"/>
+            </a:endParaRPr>
+          </a:p>
+        </p:txBody>
+      </p:sp>
+      <p:sp>
+        <p:nvSpPr>
+          <p:cNvPr id="84" name="TextShape 2"/>
+          <p:cNvSpPr txBox="1"/>
+          <p:nvPr/>
+        </p:nvSpPr>
+        <p:spPr>
+          <a:xfrm>
+            <a:off x="360000" y="1485000"/>
+            <a:ext cx="9360720" cy="3780360"/>
+          </a:xfrm>
+          <a:prstGeom prst="rect">
+            <a:avLst/>
+          </a:prstGeom>
+          <a:noFill/>
+          <a:ln>
+            <a:noFill/>
+          </a:ln>
+        </p:spPr>
+        <p:txBody>
+          <a:bodyPr lIns="0" rIns="0" tIns="0" bIns="0">
+            <a:normAutofit/>
+          </a:bodyPr>
+          <a:p>
+            <a:pPr marL="432000" indent="-324000">
+              <a:spcAft>
+                <a:spcPts val="1057"/>
+              </a:spcAft>
+              <a:buClr>
+                <a:srgbClr val="2c3e50"/>
+              </a:buClr>
+              <a:buSzPct val="45000"/>
+              <a:buFont typeface="Wingdings" charset="2"/>
+              <a:buChar char=""/>
+            </a:pPr>
+            <a:r>
+              <a:rPr b="1" lang="fr-FR" sz="2400" spc="-1" strike="noStrike">
+                <a:solidFill>
+                  <a:srgbClr val="2c3e50"/>
+                </a:solidFill>
+                <a:latin typeface="Source Sans Pro Semibold"/>
+              </a:rPr>
+              <a:t>Comprendre la propagation d’une épidémie</a:t>
+            </a:r>
+            <a:endParaRPr b="1" lang="fr-FR" sz="2400" spc="-1" strike="noStrike">
+              <a:solidFill>
+                <a:srgbClr val="2c3e50"/>
+              </a:solidFill>
+              <a:latin typeface="Source Sans Pro Semibold"/>
+            </a:endParaRPr>
+          </a:p>
+          <a:p>
+            <a:pPr marL="432000" indent="-324000">
+              <a:spcAft>
+                <a:spcPts val="1057"/>
+              </a:spcAft>
+              <a:buClr>
+                <a:srgbClr val="2c3e50"/>
+              </a:buClr>
+              <a:buSzPct val="45000"/>
+              <a:buFont typeface="Wingdings" charset="2"/>
+              <a:buChar char=""/>
+            </a:pPr>
+            <a:r>
+              <a:rPr b="1" lang="fr-FR" sz="2400" spc="-1" strike="noStrike">
+                <a:solidFill>
+                  <a:srgbClr val="2c3e50"/>
+                </a:solidFill>
+                <a:latin typeface="Source Sans Pro Semibold"/>
+              </a:rPr>
+              <a:t>Opter pour la meilleure solution (couverture vaccinale, quarantaine, ...)</a:t>
+            </a:r>
+            <a:endParaRPr b="1" lang="fr-FR" sz="2400" spc="-1" strike="noStrike">
+              <a:solidFill>
+                <a:srgbClr val="2c3e50"/>
+              </a:solidFill>
+              <a:latin typeface="Source Sans Pro Semibold"/>
+            </a:endParaRPr>
+          </a:p>
+        </p:txBody>
+      </p:sp>
+    </p:spTree>
+  </p:cSld>
+  <mc:AlternateContent>
+    <mc:Choice Requires="p14">
+      <p:transition spd="slow" p14:dur="2000"/>
+    </mc:Choice>
+    <mc:Fallback>
+      <p:transition spd="slow"/>
+    </mc:Fallback>
+  </mc:AlternateContent>
+</p:sld>
+</file>
+
+<file path=ppt/slides/slide3.xml><?xml version="1.0" encoding="utf-8"?>
+<p:sld xmlns:a="http://schemas.openxmlformats.org/drawingml/2006/main" xmlns:p="http://schemas.openxmlformats.org/presentationml/2006/main" xmlns:r="http://schemas.openxmlformats.org/officeDocument/2006/relationships" xmlns:p14="http://schemas.microsoft.com/office/powerpoint/2010/main" xmlns:p15="http://schemas.microsoft.com/office/powerpoint/2012/main" xmlns:mc="http://schemas.openxmlformats.org/markup-compatibility/2006">
+  <p:cSld>
+    <p:spTree>
+      <p:nvGrpSpPr>
+        <p:cNvPr id="1" name=""/>
+        <p:cNvGrpSpPr/>
+        <p:nvPr/>
+      </p:nvGrpSpPr>
+      <p:grpSpPr>
+        <a:xfrm>
+          <a:off x="0" y="0"/>
+          <a:ext cx="0" cy="0"/>
+          <a:chOff x="0" y="0"/>
+          <a:chExt cx="0" cy="0"/>
+        </a:xfrm>
+      </p:grpSpPr>
+      <p:sp>
+        <p:nvSpPr>
+          <p:cNvPr id="85" name="TextShape 1"/>
+          <p:cNvSpPr txBox="1"/>
+          <p:nvPr/>
+        </p:nvSpPr>
+        <p:spPr>
+          <a:xfrm>
+            <a:off x="360000" y="226080"/>
+            <a:ext cx="9360720" cy="718920"/>
+          </a:xfrm>
+          <a:prstGeom prst="rect">
+            <a:avLst/>
+          </a:prstGeom>
+          <a:noFill/>
+          <a:ln>
+            <a:noFill/>
+          </a:ln>
+        </p:spPr>
+        <p:txBody>
+          <a:bodyPr lIns="0" rIns="0" tIns="0" bIns="0" anchor="ctr">
+            <a:noAutofit/>
+          </a:bodyPr>
+          <a:p>
+            <a:r>
+              <a:rPr b="1" lang="fr-FR" sz="2700" spc="-1" strike="noStrike">
+                <a:solidFill>
+                  <a:srgbClr val="ffffff"/>
+                </a:solidFill>
+                <a:latin typeface="Source Sans Pro Black"/>
+              </a:rPr>
+              <a:t>Différences</a:t>
+            </a:r>
+            <a:endParaRPr b="1" lang="fr-FR" sz="2700" spc="-1" strike="noStrike">
+              <a:solidFill>
+                <a:srgbClr val="ffffff"/>
+              </a:solidFill>
+              <a:latin typeface="Source Sans Pro Black"/>
+            </a:endParaRPr>
+          </a:p>
+        </p:txBody>
+      </p:sp>
+      <p:sp>
+        <p:nvSpPr>
+          <p:cNvPr id="86" name="TextShape 2"/>
+          <p:cNvSpPr txBox="1"/>
+          <p:nvPr/>
+        </p:nvSpPr>
+        <p:spPr>
+          <a:xfrm>
+            <a:off x="360000" y="1485000"/>
+            <a:ext cx="4567680" cy="3780360"/>
+          </a:xfrm>
+          <a:prstGeom prst="rect">
+            <a:avLst/>
+          </a:prstGeom>
+          <a:noFill/>
+          <a:ln>
+            <a:noFill/>
+          </a:ln>
+        </p:spPr>
+        <p:txBody>
+          <a:bodyPr lIns="0" rIns="0" tIns="0" bIns="0">
+            <a:normAutofit/>
+          </a:bodyPr>
+          <a:p>
+            <a:pPr marL="432000" indent="-324000">
+              <a:spcAft>
+                <a:spcPts val="1057"/>
+              </a:spcAft>
+              <a:buClr>
+                <a:srgbClr val="2c3e50"/>
+              </a:buClr>
+              <a:buSzPct val="45000"/>
+              <a:buFont typeface="Wingdings" charset="2"/>
+              <a:buChar char=""/>
+            </a:pPr>
+            <a:r>
+              <a:rPr b="1" lang="fr-FR" sz="2400" spc="-1" strike="noStrike">
+                <a:solidFill>
+                  <a:srgbClr val="2c3e50"/>
+                </a:solidFill>
+                <a:latin typeface="Source Sans Pro Semibold"/>
+              </a:rPr>
+              <a:t>Modélisation</a:t>
+            </a:r>
+            <a:endParaRPr b="1" lang="fr-FR" sz="2400" spc="-1" strike="noStrike">
+              <a:solidFill>
+                <a:srgbClr val="2c3e50"/>
+              </a:solidFill>
+              <a:latin typeface="Source Sans Pro Semibold"/>
+            </a:endParaRPr>
+          </a:p>
+          <a:p>
+            <a:pPr marL="432000" indent="-324000">
+              <a:spcAft>
+                <a:spcPts val="1057"/>
+              </a:spcAft>
+              <a:buClr>
+                <a:srgbClr val="2c3e50"/>
+              </a:buClr>
+              <a:buSzPct val="45000"/>
+              <a:buFont typeface="Wingdings" charset="2"/>
+              <a:buChar char=""/>
+            </a:pPr>
+            <a:r>
+              <a:rPr b="1" lang="fr-FR" sz="2400" spc="-1" strike="noStrike">
+                <a:solidFill>
+                  <a:srgbClr val="2c3e50"/>
+                </a:solidFill>
+                <a:latin typeface="Source Sans Pro Semibold"/>
+              </a:rPr>
+              <a:t>Représentation mathématique d’un problème</a:t>
+            </a:r>
+            <a:endParaRPr b="1" lang="fr-FR" sz="2400" spc="-1" strike="noStrike">
+              <a:solidFill>
+                <a:srgbClr val="2c3e50"/>
+              </a:solidFill>
+              <a:latin typeface="Source Sans Pro Semibold"/>
+            </a:endParaRPr>
+          </a:p>
+          <a:p>
+            <a:pPr marL="432000" indent="-324000">
+              <a:spcAft>
+                <a:spcPts val="1057"/>
+              </a:spcAft>
+              <a:buClr>
+                <a:srgbClr val="2c3e50"/>
+              </a:buClr>
+              <a:buSzPct val="45000"/>
+              <a:buFont typeface="Wingdings" charset="2"/>
+              <a:buChar char=""/>
+            </a:pPr>
+            <a:r>
+              <a:rPr b="1" lang="fr-FR" sz="2400" spc="-1" strike="noStrike">
+                <a:solidFill>
+                  <a:srgbClr val="2c3e50"/>
+                </a:solidFill>
+                <a:latin typeface="Source Sans Pro Semibold"/>
+              </a:rPr>
+              <a:t>Exemp: </a:t>
+            </a:r>
+            <a:r>
+              <a:rPr b="1" lang="fr-FR" sz="2400" spc="-1" strike="noStrike">
+                <a:solidFill>
+                  <a:srgbClr val="2c3e50"/>
+                </a:solidFill>
+                <a:latin typeface="Source Sans Pro Semibold"/>
+              </a:rPr>
+              <a:t>Une pièce à 50% de chance de tomber sur pile, et 50% de chance de tomber sur face</a:t>
+            </a:r>
+            <a:endParaRPr b="1" lang="fr-FR" sz="2400" spc="-1" strike="noStrike">
+              <a:solidFill>
+                <a:srgbClr val="2c3e50"/>
+              </a:solidFill>
+              <a:latin typeface="Source Sans Pro Semibold"/>
+            </a:endParaRPr>
+          </a:p>
+        </p:txBody>
+      </p:sp>
+      <p:sp>
+        <p:nvSpPr>
+          <p:cNvPr id="87" name="TextShape 3"/>
+          <p:cNvSpPr txBox="1"/>
+          <p:nvPr/>
+        </p:nvSpPr>
+        <p:spPr>
+          <a:xfrm>
+            <a:off x="5156280" y="1485000"/>
+            <a:ext cx="4567680" cy="3780360"/>
+          </a:xfrm>
+          <a:prstGeom prst="rect">
+            <a:avLst/>
+          </a:prstGeom>
+          <a:noFill/>
+          <a:ln>
+            <a:noFill/>
+          </a:ln>
+        </p:spPr>
+        <p:txBody>
+          <a:bodyPr lIns="0" rIns="0" tIns="0" bIns="0">
+            <a:normAutofit/>
+          </a:bodyPr>
+          <a:p>
+            <a:pPr marL="432000" indent="-324000">
+              <a:spcAft>
+                <a:spcPts val="1057"/>
+              </a:spcAft>
+              <a:buClr>
+                <a:srgbClr val="2c3e50"/>
+              </a:buClr>
+              <a:buSzPct val="45000"/>
+              <a:buFont typeface="Wingdings" charset="2"/>
+              <a:buChar char=""/>
+            </a:pPr>
+            <a:r>
+              <a:rPr b="1" lang="fr-FR" sz="2400" spc="-1" strike="noStrike">
+                <a:solidFill>
+                  <a:srgbClr val="2c3e50"/>
+                </a:solidFill>
+                <a:latin typeface="Source Sans Pro Semibold"/>
+              </a:rPr>
+              <a:t>Simulation</a:t>
+            </a:r>
+            <a:endParaRPr b="1" lang="fr-FR" sz="2400" spc="-1" strike="noStrike">
+              <a:solidFill>
+                <a:srgbClr val="2c3e50"/>
+              </a:solidFill>
+              <a:latin typeface="Source Sans Pro Semibold"/>
+            </a:endParaRPr>
+          </a:p>
+          <a:p>
+            <a:pPr marL="432000" indent="-324000">
+              <a:spcAft>
+                <a:spcPts val="1057"/>
+              </a:spcAft>
+              <a:buClr>
+                <a:srgbClr val="2c3e50"/>
+              </a:buClr>
+              <a:buSzPct val="45000"/>
+              <a:buFont typeface="Wingdings" charset="2"/>
+              <a:buChar char=""/>
+            </a:pPr>
+            <a:r>
+              <a:rPr b="1" lang="fr-FR" sz="2400" spc="-1" strike="noStrike">
+                <a:solidFill>
+                  <a:srgbClr val="2c3e50"/>
+                </a:solidFill>
+                <a:latin typeface="Source Sans Pro Semibold"/>
+              </a:rPr>
+              <a:t>Programme informatique qui fait fonctionner notre modèle</a:t>
+            </a:r>
+            <a:endParaRPr b="1" lang="fr-FR" sz="2400" spc="-1" strike="noStrike">
+              <a:solidFill>
+                <a:srgbClr val="2c3e50"/>
+              </a:solidFill>
+              <a:latin typeface="Source Sans Pro Semibold"/>
+            </a:endParaRPr>
+          </a:p>
+          <a:p>
+            <a:pPr marL="432000" indent="-324000">
+              <a:spcAft>
+                <a:spcPts val="1057"/>
+              </a:spcAft>
+              <a:buClr>
+                <a:srgbClr val="2c3e50"/>
+              </a:buClr>
+              <a:buSzPct val="45000"/>
+              <a:buFont typeface="Wingdings" charset="2"/>
+              <a:buChar char=""/>
+            </a:pPr>
+            <a:r>
+              <a:rPr b="1" lang="fr-FR" sz="2400" spc="-1" strike="noStrike">
+                <a:solidFill>
+                  <a:srgbClr val="2c3e50"/>
+                </a:solidFill>
+                <a:latin typeface="Source Sans Pro Semibold"/>
+              </a:rPr>
+              <a:t>Pile, Pile, Face, Pile, Face, Face, ...</a:t>
+            </a:r>
+            <a:endParaRPr b="1" lang="fr-FR" sz="2400" spc="-1" strike="noStrike">
+              <a:solidFill>
+                <a:srgbClr val="2c3e50"/>
+              </a:solidFill>
+              <a:latin typeface="Source Sans Pro Semibold"/>
+            </a:endParaRPr>
+          </a:p>
+        </p:txBody>
+      </p:sp>
+    </p:spTree>
+  </p:cSld>
+  <mc:AlternateContent>
+    <mc:Choice Requires="p14">
+      <p:transition spd="slow" p14:dur="2000"/>
+    </mc:Choice>
+    <mc:Fallback>
+      <p:transition spd="slow"/>
+    </mc:Fallback>
+  </mc:AlternateContent>
+</p:sld>
+</file>
+
+<file path=ppt/slides/slide4.xml><?xml version="1.0" encoding="utf-8"?>
+<p:sld xmlns:a="http://schemas.openxmlformats.org/drawingml/2006/main" xmlns:p="http://schemas.openxmlformats.org/presentationml/2006/main" xmlns:r="http://schemas.openxmlformats.org/officeDocument/2006/relationships" xmlns:p14="http://schemas.microsoft.com/office/powerpoint/2010/main" xmlns:p15="http://schemas.microsoft.com/office/powerpoint/2012/main" xmlns:mc="http://schemas.openxmlformats.org/markup-compatibility/2006">
+  <p:cSld>
+    <p:spTree>
+      <p:nvGrpSpPr>
+        <p:cNvPr id="1" name=""/>
+        <p:cNvGrpSpPr/>
+        <p:nvPr/>
+      </p:nvGrpSpPr>
+      <p:grpSpPr>
+        <a:xfrm>
+          <a:off x="0" y="0"/>
+          <a:ext cx="0" cy="0"/>
+          <a:chOff x="0" y="0"/>
+          <a:chExt cx="0" cy="0"/>
+        </a:xfrm>
+      </p:grpSpPr>
+      <p:sp>
+        <p:nvSpPr>
+          <p:cNvPr id="88" name="TextShape 1"/>
+          <p:cNvSpPr txBox="1"/>
+          <p:nvPr/>
+        </p:nvSpPr>
+        <p:spPr>
+          <a:xfrm>
+            <a:off x="360000" y="226080"/>
+            <a:ext cx="9360720" cy="718920"/>
+          </a:xfrm>
+          <a:prstGeom prst="rect">
+            <a:avLst/>
+          </a:prstGeom>
+          <a:noFill/>
+          <a:ln>
+            <a:noFill/>
+          </a:ln>
+        </p:spPr>
+        <p:txBody>
+          <a:bodyPr lIns="0" rIns="0" tIns="0" bIns="0" anchor="ctr">
+            <a:noAutofit/>
+          </a:bodyPr>
+          <a:p>
+            <a:r>
+              <a:rPr b="1" lang="fr-FR" sz="2700" spc="-1" strike="noStrike">
+                <a:solidFill>
+                  <a:srgbClr val="ffffff"/>
+                </a:solidFill>
+                <a:latin typeface="Source Sans Pro Black"/>
+              </a:rPr>
+              <a:t>Modèles de propagation</a:t>
+            </a:r>
+            <a:endParaRPr b="1" lang="fr-FR" sz="2700" spc="-1" strike="noStrike">
+              <a:solidFill>
+                <a:srgbClr val="ffffff"/>
+              </a:solidFill>
+              <a:latin typeface="Source Sans Pro Black"/>
+            </a:endParaRPr>
+          </a:p>
+        </p:txBody>
+      </p:sp>
+      <p:sp>
+        <p:nvSpPr>
+          <p:cNvPr id="89" name="TextShape 2"/>
+          <p:cNvSpPr txBox="1"/>
+          <p:nvPr/>
+        </p:nvSpPr>
+        <p:spPr>
+          <a:xfrm>
+            <a:off x="360000" y="1485000"/>
+            <a:ext cx="4567680" cy="3780360"/>
+          </a:xfrm>
+          <a:prstGeom prst="rect">
+            <a:avLst/>
+          </a:prstGeom>
+          <a:noFill/>
+          <a:ln>
+            <a:noFill/>
+          </a:ln>
+        </p:spPr>
+        <p:txBody>
+          <a:bodyPr lIns="0" rIns="0" tIns="0" bIns="0">
+            <a:normAutofit fontScale="36000"/>
+          </a:bodyPr>
+          <a:p>
+            <a:pPr marL="432000" indent="-324000">
+              <a:spcAft>
+                <a:spcPts val="1057"/>
+              </a:spcAft>
+              <a:buClr>
+                <a:srgbClr val="2c3e50"/>
+              </a:buClr>
+              <a:buSzPct val="45000"/>
+              <a:buFont typeface="Wingdings" charset="2"/>
+              <a:buChar char=""/>
+            </a:pPr>
+            <a:r>
+              <a:rPr b="1" lang="fr-FR" sz="2400" spc="-1" strike="noStrike">
+                <a:solidFill>
+                  <a:srgbClr val="2c3e50"/>
+                </a:solidFill>
+                <a:latin typeface="Source Sans Pro Semibold"/>
+              </a:rPr>
+              <a:t>Modèles spatiaux</a:t>
+            </a:r>
+            <a:endParaRPr b="1" lang="fr-FR" sz="2400" spc="-1" strike="noStrike">
+              <a:solidFill>
+                <a:srgbClr val="2c3e50"/>
+              </a:solidFill>
+              <a:latin typeface="Source Sans Pro Semibold"/>
+            </a:endParaRPr>
+          </a:p>
+          <a:p>
+            <a:pPr marL="432000" indent="-324000">
+              <a:spcAft>
+                <a:spcPts val="1057"/>
+              </a:spcAft>
+              <a:buClr>
+                <a:srgbClr val="2c3e50"/>
+              </a:buClr>
+              <a:buSzPct val="45000"/>
+              <a:buFont typeface="Wingdings" charset="2"/>
+              <a:buChar char=""/>
+            </a:pPr>
+            <a:r>
+              <a:rPr b="1" lang="fr-FR" sz="2400" spc="-1" strike="noStrike">
+                <a:solidFill>
+                  <a:srgbClr val="2c3e50"/>
+                </a:solidFill>
+                <a:latin typeface="Source Sans Pro Semibold"/>
+              </a:rPr>
+              <a:t>Ces modèles représentent chaque individu par un point, ou un objet dans une configuration spatiale, sur un plan, dans un espace, ou sur Terre par exemple. </a:t>
+            </a:r>
+            <a:endParaRPr b="1" lang="fr-FR" sz="2400" spc="-1" strike="noStrike">
+              <a:solidFill>
+                <a:srgbClr val="2c3e50"/>
+              </a:solidFill>
+              <a:latin typeface="Source Sans Pro Semibold"/>
+            </a:endParaRPr>
+          </a:p>
+          <a:p>
+            <a:pPr marL="432000" indent="-324000">
+              <a:spcAft>
+                <a:spcPts val="1057"/>
+              </a:spcAft>
+              <a:buClr>
+                <a:srgbClr val="2c3e50"/>
+              </a:buClr>
+              <a:buSzPct val="45000"/>
+              <a:buFont typeface="Wingdings" charset="2"/>
+              <a:buChar char=""/>
+            </a:pPr>
+            <a:r>
+              <a:rPr b="1" lang="fr-FR" sz="2400" spc="-1" strike="noStrike">
+                <a:solidFill>
+                  <a:srgbClr val="2c3e50"/>
+                </a:solidFill>
+                <a:latin typeface="Source Sans Pro Semibold"/>
+              </a:rPr>
+              <a:t>L’avantage de ces modèles est qu’il permet de faire une simulation plus réaliste et applicable au monde réel (on pourrait simuler tous les habitants de la terre sur un planisphère. </a:t>
+            </a:r>
+            <a:endParaRPr b="1" lang="fr-FR" sz="2400" spc="-1" strike="noStrike">
+              <a:solidFill>
+                <a:srgbClr val="2c3e50"/>
+              </a:solidFill>
+              <a:latin typeface="Source Sans Pro Semibold"/>
+            </a:endParaRPr>
+          </a:p>
+          <a:p>
+            <a:pPr marL="432000" indent="-324000">
+              <a:spcAft>
+                <a:spcPts val="1057"/>
+              </a:spcAft>
+              <a:buClr>
+                <a:srgbClr val="2c3e50"/>
+              </a:buClr>
+              <a:buSzPct val="45000"/>
+              <a:buFont typeface="Wingdings" charset="2"/>
+              <a:buChar char=""/>
+            </a:pPr>
+            <a:r>
+              <a:rPr b="1" lang="fr-FR" sz="2400" spc="-1" strike="noStrike">
+                <a:solidFill>
+                  <a:srgbClr val="2c3e50"/>
+                </a:solidFill>
+                <a:latin typeface="Source Sans Pro Semibold"/>
+              </a:rPr>
+              <a:t>L</a:t>
+            </a:r>
+            <a:r>
+              <a:rPr b="1" lang="fr-FR" sz="2400" spc="-1" strike="noStrike">
+                <a:solidFill>
+                  <a:srgbClr val="2c3e50"/>
+                </a:solidFill>
+                <a:latin typeface="Source Sans Pro Semibold"/>
+              </a:rPr>
+              <a:t>e désavantage est qu’il est très lent de simuler un grand nombre d’individus, même avec de bons ordinateurs</a:t>
+            </a:r>
+            <a:endParaRPr b="1" lang="fr-FR" sz="2400" spc="-1" strike="noStrike">
+              <a:solidFill>
+                <a:srgbClr val="2c3e50"/>
+              </a:solidFill>
+              <a:latin typeface="Source Sans Pro Semibold"/>
+            </a:endParaRPr>
+          </a:p>
+        </p:txBody>
+      </p:sp>
+      <p:sp>
+        <p:nvSpPr>
+          <p:cNvPr id="90" name="TextShape 3"/>
+          <p:cNvSpPr txBox="1"/>
+          <p:nvPr/>
+        </p:nvSpPr>
+        <p:spPr>
+          <a:xfrm>
+            <a:off x="5156280" y="1485000"/>
+            <a:ext cx="4567680" cy="3780360"/>
+          </a:xfrm>
+          <a:prstGeom prst="rect">
+            <a:avLst/>
+          </a:prstGeom>
+          <a:noFill/>
+          <a:ln>
+            <a:noFill/>
+          </a:ln>
+        </p:spPr>
+        <p:txBody>
+          <a:bodyPr lIns="0" rIns="0" tIns="0" bIns="0">
+            <a:normAutofit fontScale="64000"/>
+          </a:bodyPr>
+          <a:p>
+            <a:pPr marL="432000" indent="-324000">
+              <a:spcAft>
+                <a:spcPts val="1057"/>
+              </a:spcAft>
+              <a:buClr>
+                <a:srgbClr val="2c3e50"/>
+              </a:buClr>
+              <a:buSzPct val="45000"/>
+              <a:buFont typeface="Wingdings" charset="2"/>
+              <a:buChar char=""/>
+            </a:pPr>
+            <a:r>
+              <a:rPr b="1" lang="fr-FR" sz="2400" spc="-1" strike="noStrike">
+                <a:solidFill>
+                  <a:srgbClr val="2c3e50"/>
+                </a:solidFill>
+                <a:latin typeface="Source Sans Pro Semibold"/>
+              </a:rPr>
+              <a:t>Modèles compartimentaux</a:t>
+            </a:r>
+            <a:endParaRPr b="1" lang="fr-FR" sz="2400" spc="-1" strike="noStrike">
+              <a:solidFill>
+                <a:srgbClr val="2c3e50"/>
+              </a:solidFill>
+              <a:latin typeface="Source Sans Pro Semibold"/>
+            </a:endParaRPr>
+          </a:p>
+          <a:p>
+            <a:pPr marL="432000" indent="-324000">
+              <a:spcAft>
+                <a:spcPts val="1057"/>
+              </a:spcAft>
+              <a:buClr>
+                <a:srgbClr val="2c3e50"/>
+              </a:buClr>
+              <a:buSzPct val="45000"/>
+              <a:buFont typeface="Wingdings" charset="2"/>
+              <a:buChar char=""/>
+            </a:pPr>
+            <a:r>
+              <a:rPr b="1" lang="fr-FR" sz="2400" spc="-1" strike="noStrike">
+                <a:solidFill>
+                  <a:srgbClr val="2c3e50"/>
+                </a:solidFill>
+                <a:latin typeface="Source Sans Pro Semibold"/>
+              </a:rPr>
+              <a:t>Ces modèles représentent une population par le nombre de personnes dans un certain état.</a:t>
+            </a:r>
+            <a:endParaRPr b="1" lang="fr-FR" sz="2400" spc="-1" strike="noStrike">
+              <a:solidFill>
+                <a:srgbClr val="2c3e50"/>
+              </a:solidFill>
+              <a:latin typeface="Source Sans Pro Semibold"/>
+            </a:endParaRPr>
+          </a:p>
+          <a:p>
+            <a:pPr marL="432000" indent="-324000">
+              <a:spcAft>
+                <a:spcPts val="1057"/>
+              </a:spcAft>
+              <a:buClr>
+                <a:srgbClr val="2c3e50"/>
+              </a:buClr>
+              <a:buSzPct val="45000"/>
+              <a:buFont typeface="Wingdings" charset="2"/>
+              <a:buChar char=""/>
+            </a:pPr>
+            <a:r>
+              <a:rPr b="1" lang="fr-FR" sz="2400" spc="-1" strike="noStrike">
+                <a:solidFill>
+                  <a:srgbClr val="2c3e50"/>
+                </a:solidFill>
+                <a:latin typeface="Source Sans Pro Semibold"/>
+              </a:rPr>
+              <a:t>L’avantage de ces modèles est qu’il simulable facilement. Il suffit de manipuler autant de nombres qu’on a d’états</a:t>
+            </a:r>
+            <a:endParaRPr b="1" lang="fr-FR" sz="2400" spc="-1" strike="noStrike">
+              <a:solidFill>
+                <a:srgbClr val="2c3e50"/>
+              </a:solidFill>
+              <a:latin typeface="Source Sans Pro Semibold"/>
+            </a:endParaRPr>
+          </a:p>
+          <a:p>
+            <a:pPr marL="432000" indent="-324000">
+              <a:spcAft>
+                <a:spcPts val="1057"/>
+              </a:spcAft>
+              <a:buClr>
+                <a:srgbClr val="2c3e50"/>
+              </a:buClr>
+              <a:buSzPct val="45000"/>
+              <a:buFont typeface="Wingdings" charset="2"/>
+              <a:buChar char=""/>
+            </a:pPr>
+            <a:r>
+              <a:rPr b="1" lang="fr-FR" sz="2400" spc="-1" strike="noStrike">
+                <a:solidFill>
+                  <a:srgbClr val="2c3e50"/>
+                </a:solidFill>
+                <a:latin typeface="Source Sans Pro Semibold"/>
+              </a:rPr>
+              <a:t>Le désavantage est qu’il ne permet d’obtenir uniquement des résultats en nombre d’individus atteints</a:t>
+            </a:r>
+            <a:endParaRPr b="1" lang="fr-FR" sz="2400" spc="-1" strike="noStrike">
+              <a:solidFill>
+                <a:srgbClr val="2c3e50"/>
+              </a:solidFill>
+              <a:latin typeface="Source Sans Pro Semibold"/>
+            </a:endParaRPr>
+          </a:p>
+        </p:txBody>
+      </p:sp>
+    </p:spTree>
+  </p:cSld>
+  <mc:AlternateContent>
+    <mc:Choice Requires="p14">
+      <p:transition spd="slow" p14:dur="2000"/>
+    </mc:Choice>
+    <mc:Fallback>
+      <p:transition spd="slow"/>
+    </mc:Fallback>
+  </mc:AlternateContent>
+</p:sld>
+</file>
+
+<file path=ppt/slides/slide5.xml><?xml version="1.0" encoding="utf-8"?>
+<p:sld xmlns:a="http://schemas.openxmlformats.org/drawingml/2006/main" xmlns:p="http://schemas.openxmlformats.org/presentationml/2006/main" xmlns:r="http://schemas.openxmlformats.org/officeDocument/2006/relationships" xmlns:p14="http://schemas.microsoft.com/office/powerpoint/2010/main" xmlns:p15="http://schemas.microsoft.com/office/powerpoint/2012/main" xmlns:mc="http://schemas.openxmlformats.org/markup-compatibility/2006">
+  <p:cSld>
+    <p:spTree>
+      <p:nvGrpSpPr>
+        <p:cNvPr id="1" name=""/>
+        <p:cNvGrpSpPr/>
+        <p:nvPr/>
+      </p:nvGrpSpPr>
+      <p:grpSpPr>
+        <a:xfrm>
+          <a:off x="0" y="0"/>
+          <a:ext cx="0" cy="0"/>
+          <a:chOff x="0" y="0"/>
+          <a:chExt cx="0" cy="0"/>
+        </a:xfrm>
+      </p:grpSpPr>
+      <p:sp>
+        <p:nvSpPr>
+          <p:cNvPr id="91" name="TextShape 1"/>
+          <p:cNvSpPr txBox="1"/>
+          <p:nvPr/>
+        </p:nvSpPr>
+        <p:spPr>
+          <a:xfrm>
+            <a:off x="360000" y="226080"/>
+            <a:ext cx="9360720" cy="718920"/>
+          </a:xfrm>
+          <a:prstGeom prst="rect">
+            <a:avLst/>
+          </a:prstGeom>
+          <a:noFill/>
+          <a:ln>
+            <a:noFill/>
+          </a:ln>
+        </p:spPr>
+        <p:txBody>
+          <a:bodyPr lIns="0" rIns="0" tIns="0" bIns="0" anchor="ctr">
+            <a:noAutofit/>
+          </a:bodyPr>
+          <a:p>
+            <a:r>
+              <a:rPr b="1" lang="fr-FR" sz="2700" spc="-1" strike="noStrike">
+                <a:solidFill>
+                  <a:srgbClr val="ffffff"/>
+                </a:solidFill>
+                <a:latin typeface="Source Sans Pro Black"/>
+              </a:rPr>
+              <a:t>Nos simulations</a:t>
+            </a:r>
+            <a:endParaRPr b="1" lang="fr-FR" sz="2700" spc="-1" strike="noStrike">
+              <a:solidFill>
+                <a:srgbClr val="ffffff"/>
+              </a:solidFill>
+              <a:latin typeface="Source Sans Pro Black"/>
+            </a:endParaRPr>
+          </a:p>
+        </p:txBody>
+      </p:sp>
+      <p:sp>
+        <p:nvSpPr>
+          <p:cNvPr id="92" name="TextShape 2"/>
+          <p:cNvSpPr txBox="1"/>
+          <p:nvPr/>
+        </p:nvSpPr>
+        <p:spPr>
+          <a:xfrm>
+            <a:off x="360000" y="1485000"/>
+            <a:ext cx="9360720" cy="3780360"/>
+          </a:xfrm>
+          <a:prstGeom prst="rect">
+            <a:avLst/>
+          </a:prstGeom>
+          <a:noFill/>
+          <a:ln>
+            <a:noFill/>
+          </a:ln>
+        </p:spPr>
+        <p:txBody>
+          <a:bodyPr lIns="0" rIns="0" tIns="0" bIns="0">
+            <a:normAutofit/>
+          </a:bodyPr>
+          <a:p>
+            <a:pPr marL="432000" indent="-324000">
+              <a:spcAft>
+                <a:spcPts val="1060"/>
+              </a:spcAft>
+              <a:buClr>
+                <a:srgbClr val="2c3e50"/>
+              </a:buClr>
+              <a:buSzPct val="45000"/>
+              <a:buFont typeface="Wingdings" charset="2"/>
+              <a:buChar char=""/>
+            </a:pPr>
+            <a:r>
+              <a:rPr b="1" lang="fr-FR" sz="2400" spc="-1" strike="noStrike">
+                <a:solidFill>
+                  <a:srgbClr val="2c3e50"/>
+                </a:solidFill>
+                <a:latin typeface="Source Sans Pro Semibold"/>
+              </a:rPr>
+              <a:t>Notre programme consiste en plusieurs simulations de différents types de modèles.</a:t>
+            </a:r>
+            <a:endParaRPr b="1" lang="fr-FR" sz="2400" spc="-1" strike="noStrike">
+              <a:solidFill>
+                <a:srgbClr val="2c3e50"/>
+              </a:solidFill>
+              <a:latin typeface="Source Sans Pro Semibold"/>
+            </a:endParaRPr>
+          </a:p>
+          <a:p>
+            <a:pPr marL="432000" indent="-324000">
+              <a:spcAft>
+                <a:spcPts val="1060"/>
+              </a:spcAft>
+              <a:buClr>
+                <a:srgbClr val="2c3e50"/>
+              </a:buClr>
+              <a:buSzPct val="45000"/>
+              <a:buFont typeface="Wingdings" charset="2"/>
+              <a:buChar char=""/>
+            </a:pPr>
+            <a:r>
+              <a:rPr b="1" lang="fr-FR" sz="2400" spc="-1" strike="noStrike">
+                <a:solidFill>
+                  <a:srgbClr val="2c3e50"/>
+                </a:solidFill>
+                <a:latin typeface="Source Sans Pro Semibold"/>
+              </a:rPr>
+              <a:t>Modèles compartimentaux : SIR, SEIHFR,  SEIHFBR et SEIRS</a:t>
+            </a:r>
+            <a:endParaRPr b="1" lang="fr-FR" sz="2400" spc="-1" strike="noStrike">
+              <a:solidFill>
+                <a:srgbClr val="2c3e50"/>
+              </a:solidFill>
+              <a:latin typeface="Source Sans Pro Semibold"/>
+            </a:endParaRPr>
+          </a:p>
+          <a:p>
+            <a:pPr marL="432000" indent="-324000">
+              <a:spcAft>
+                <a:spcPts val="1057"/>
+              </a:spcAft>
+              <a:buClr>
+                <a:srgbClr val="2c3e50"/>
+              </a:buClr>
+              <a:buSzPct val="45000"/>
+              <a:buFont typeface="Wingdings" charset="2"/>
+              <a:buChar char=""/>
+            </a:pPr>
+            <a:r>
+              <a:rPr b="1" lang="fr-FR" sz="2400" spc="-1" strike="noStrike">
+                <a:solidFill>
+                  <a:srgbClr val="2c3e50"/>
+                </a:solidFill>
+                <a:latin typeface="Source Sans Pro Semibold"/>
+              </a:rPr>
+              <a:t>Modèles spatiaux : Dispersion spatiale de deux souches de maladies, propagation d’une maladie à vaccin dans une population, et pandémie sur planisphère</a:t>
+            </a:r>
+            <a:endParaRPr b="1" lang="fr-FR" sz="2400" spc="-1" strike="noStrike">
+              <a:solidFill>
+                <a:srgbClr val="2c3e50"/>
+              </a:solidFill>
+              <a:latin typeface="Source Sans Pro Semibold"/>
+            </a:endParaRPr>
+          </a:p>
+        </p:txBody>
+      </p:sp>
+    </p:spTree>
+  </p:cSld>
+  <mc:AlternateContent>
+    <mc:Choice Requires="p14">
+      <p:transition spd="slow" p14:dur="2000"/>
+    </mc:Choice>
+    <mc:Fallback>
+      <p:transition spd="slow"/>
+    </mc:Fallback>
+  </mc:AlternateContent>
+</p:sld>
+</file>
+
+<file path=ppt/slides/slide6.xml><?xml version="1.0" encoding="utf-8"?>
+<p:sld xmlns:a="http://schemas.openxmlformats.org/drawingml/2006/main" xmlns:p="http://schemas.openxmlformats.org/presentationml/2006/main" xmlns:r="http://schemas.openxmlformats.org/officeDocument/2006/relationships" xmlns:p14="http://schemas.microsoft.com/office/powerpoint/2010/main" xmlns:p15="http://schemas.microsoft.com/office/powerpoint/2012/main" xmlns:mc="http://schemas.openxmlformats.org/markup-compatibility/2006">
+  <p:cSld>
+    <p:spTree>
+      <p:nvGrpSpPr>
+        <p:cNvPr id="1" name=""/>
+        <p:cNvGrpSpPr/>
+        <p:nvPr/>
+      </p:nvGrpSpPr>
+      <p:grpSpPr>
+        <a:xfrm>
+          <a:off x="0" y="0"/>
+          <a:ext cx="0" cy="0"/>
+          <a:chOff x="0" y="0"/>
+          <a:chExt cx="0" cy="0"/>
+        </a:xfrm>
+      </p:grpSpPr>
+      <p:sp>
+        <p:nvSpPr>
+          <p:cNvPr id="93" name="TextShape 1"/>
+          <p:cNvSpPr txBox="1"/>
+          <p:nvPr/>
+        </p:nvSpPr>
+        <p:spPr>
+          <a:xfrm>
+            <a:off x="360000" y="226080"/>
+            <a:ext cx="9360720" cy="718920"/>
+          </a:xfrm>
+          <a:prstGeom prst="rect">
+            <a:avLst/>
+          </a:prstGeom>
+          <a:noFill/>
+          <a:ln>
+            <a:noFill/>
+          </a:ln>
+        </p:spPr>
+        <p:txBody>
+          <a:bodyPr lIns="0" rIns="0" tIns="0" bIns="0" anchor="ctr">
+            <a:noAutofit/>
+          </a:bodyPr>
+          <a:p>
+            <a:r>
+              <a:rPr b="1" lang="fr-FR" sz="2700" spc="-1" strike="noStrike">
+                <a:solidFill>
+                  <a:srgbClr val="ffffff"/>
+                </a:solidFill>
+                <a:latin typeface="Source Sans Pro Black"/>
+              </a:rPr>
+              <a:t>SIR</a:t>
+            </a:r>
+            <a:endParaRPr b="1" lang="fr-FR" sz="2700" spc="-1" strike="noStrike">
+              <a:solidFill>
+                <a:srgbClr val="ffffff"/>
+              </a:solidFill>
+              <a:latin typeface="Source Sans Pro Black"/>
+            </a:endParaRPr>
+          </a:p>
+        </p:txBody>
+      </p:sp>
+      <p:sp>
+        <p:nvSpPr>
+          <p:cNvPr id="94" name="TextShape 2"/>
+          <p:cNvSpPr txBox="1"/>
+          <p:nvPr/>
+        </p:nvSpPr>
+        <p:spPr>
+          <a:xfrm>
+            <a:off x="360000" y="1485000"/>
+            <a:ext cx="9360720" cy="3780360"/>
+          </a:xfrm>
+          <a:prstGeom prst="rect">
+            <a:avLst/>
+          </a:prstGeom>
+          <a:noFill/>
+          <a:ln>
+            <a:noFill/>
+          </a:ln>
+        </p:spPr>
+        <p:txBody>
+          <a:bodyPr lIns="0" rIns="0" tIns="0" bIns="0">
+            <a:normAutofit/>
+          </a:bodyPr>
+          <a:p>
+            <a:pPr marL="432000" indent="-324000">
+              <a:spcAft>
+                <a:spcPts val="1057"/>
+              </a:spcAft>
+              <a:buClr>
+                <a:srgbClr val="2c3e50"/>
+              </a:buClr>
+              <a:buSzPct val="45000"/>
+              <a:buFont typeface="Wingdings" charset="2"/>
+              <a:buChar char=""/>
+            </a:pPr>
+            <a:r>
+              <a:rPr b="1" lang="fr-FR" sz="2400" spc="-1" strike="noStrike">
+                <a:solidFill>
+                  <a:srgbClr val="2c3e50"/>
+                </a:solidFill>
+                <a:latin typeface="Source Sans Pro Semibold"/>
+              </a:rPr>
+              <a:t>Le modèle SIR est le modèle le plus simple pour représenter une épidémie. Malheureusement plus un modèle est simple, plus il est loin de la réalité et ne nous offre que très peu d’informations</a:t>
+            </a:r>
+            <a:endParaRPr b="1" lang="fr-FR" sz="2400" spc="-1" strike="noStrike">
+              <a:solidFill>
+                <a:srgbClr val="2c3e50"/>
+              </a:solidFill>
+              <a:latin typeface="Source Sans Pro Semibold"/>
+            </a:endParaRPr>
+          </a:p>
+        </p:txBody>
+      </p:sp>
+    </p:spTree>
+  </p:cSld>
+  <mc:AlternateContent>
+    <mc:Choice Requires="p14">
+      <p:transition spd="slow" p14:dur="2000"/>
+    </mc:Choice>
+    <mc:Fallback>
+      <p:transition spd="slow"/>
+    </mc:Fallback>
+  </mc:AlternateContent>
+</p:sld>
+</file>
+
+<file path=ppt/slides/slide7.xml><?xml version="1.0" encoding="utf-8"?>
+<p:sld xmlns:a="http://schemas.openxmlformats.org/drawingml/2006/main" xmlns:p="http://schemas.openxmlformats.org/presentationml/2006/main" xmlns:r="http://schemas.openxmlformats.org/officeDocument/2006/relationships" xmlns:p14="http://schemas.microsoft.com/office/powerpoint/2010/main" xmlns:p15="http://schemas.microsoft.com/office/powerpoint/2012/main" xmlns:mc="http://schemas.openxmlformats.org/markup-compatibility/2006">
+  <p:cSld>
+    <p:spTree>
+      <p:nvGrpSpPr>
+        <p:cNvPr id="1" name=""/>
+        <p:cNvGrpSpPr/>
+        <p:nvPr/>
+      </p:nvGrpSpPr>
+      <p:grpSpPr>
+        <a:xfrm>
+          <a:off x="0" y="0"/>
+          <a:ext cx="0" cy="0"/>
+          <a:chOff x="0" y="0"/>
+          <a:chExt cx="0" cy="0"/>
+        </a:xfrm>
+      </p:grpSpPr>
+      <p:sp>
+        <p:nvSpPr>
+          <p:cNvPr id="95" name="TextShape 1"/>
+          <p:cNvSpPr txBox="1"/>
+          <p:nvPr/>
+        </p:nvSpPr>
+        <p:spPr>
+          <a:xfrm>
+            <a:off x="360000" y="226080"/>
+            <a:ext cx="9360720" cy="718920"/>
+          </a:xfrm>
+          <a:prstGeom prst="rect">
+            <a:avLst/>
+          </a:prstGeom>
+          <a:noFill/>
+          <a:ln>
+            <a:noFill/>
+          </a:ln>
+        </p:spPr>
+        <p:txBody>
+          <a:bodyPr lIns="0" rIns="0" tIns="0" bIns="0" anchor="ctr">
+            <a:noAutofit/>
+          </a:bodyPr>
+          <a:p>
+            <a:endParaRPr b="1" lang="fr-FR" sz="2700" spc="-1" strike="noStrike">
+              <a:solidFill>
+                <a:srgbClr val="ffffff"/>
+              </a:solidFill>
+              <a:latin typeface="Source Sans Pro Black"/>
+            </a:endParaRPr>
+          </a:p>
+        </p:txBody>
+      </p:sp>
+      <p:sp>
+        <p:nvSpPr>
+          <p:cNvPr id="96" name="TextShape 2"/>
+          <p:cNvSpPr txBox="1"/>
+          <p:nvPr/>
+        </p:nvSpPr>
+        <p:spPr>
+          <a:xfrm>
+            <a:off x="360000" y="1485000"/>
+            <a:ext cx="9360720" cy="3780360"/>
+          </a:xfrm>
+          <a:prstGeom prst="rect">
+            <a:avLst/>
+          </a:prstGeom>
+          <a:noFill/>
+          <a:ln>
+            <a:noFill/>
+          </a:ln>
+        </p:spPr>
+        <p:txBody>
+          <a:bodyPr lIns="0" rIns="0" tIns="0" bIns="0">
+            <a:normAutofit/>
+          </a:bodyPr>
+          <a:p>
+            <a:endParaRPr b="1" lang="fr-FR" sz="2400" spc="-1" strike="noStrike">
+              <a:solidFill>
+                <a:srgbClr val="2c3e50"/>
+              </a:solidFill>
+              <a:latin typeface="Source Sans Pro Semibold"/>
+            </a:endParaRPr>
+          </a:p>
+        </p:txBody>
+      </p:sp>
+    </p:spTree>
+  </p:cSld>
+  <mc:AlternateContent>
+    <mc:Choice Requires="p14">
+      <p:transition spd="slow" p14:dur="2000"/>
+    </mc:Choice>
+    <mc:Fallback>
+      <p:transition spd="slow"/>
+    </mc:Fallback>
+  </mc:AlternateContent>
+</p:sld>
+</file>
+
+<file path=ppt/slides/slide8.xml><?xml version="1.0" encoding="utf-8"?>
+<p:sld xmlns:a="http://schemas.openxmlformats.org/drawingml/2006/main" xmlns:p="http://schemas.openxmlformats.org/presentationml/2006/main" xmlns:r="http://schemas.openxmlformats.org/officeDocument/2006/relationships" xmlns:p14="http://schemas.microsoft.com/office/powerpoint/2010/main" xmlns:p15="http://schemas.microsoft.com/office/powerpoint/2012/main" xmlns:mc="http://schemas.openxmlformats.org/markup-compatibility/2006">
+  <p:cSld>
+    <p:spTree>
+      <p:nvGrpSpPr>
+        <p:cNvPr id="1" name=""/>
+        <p:cNvGrpSpPr/>
+        <p:nvPr/>
+      </p:nvGrpSpPr>
+      <p:grpSpPr>
+        <a:xfrm>
+          <a:off x="0" y="0"/>
+          <a:ext cx="0" cy="0"/>
+          <a:chOff x="0" y="0"/>
+          <a:chExt cx="0" cy="0"/>
+        </a:xfrm>
+      </p:grpSpPr>
+      <p:sp>
+        <p:nvSpPr>
+          <p:cNvPr id="97" name="TextShape 1"/>
+          <p:cNvSpPr txBox="1"/>
+          <p:nvPr/>
+        </p:nvSpPr>
+        <p:spPr>
+          <a:xfrm>
+            <a:off x="360000" y="226080"/>
+            <a:ext cx="9360720" cy="718920"/>
+          </a:xfrm>
+          <a:prstGeom prst="rect">
+            <a:avLst/>
+          </a:prstGeom>
+          <a:noFill/>
+          <a:ln>
+            <a:noFill/>
+          </a:ln>
+        </p:spPr>
+        <p:txBody>
+          <a:bodyPr lIns="0" rIns="0" tIns="0" bIns="0" anchor="ctr">
+            <a:noAutofit/>
+          </a:bodyPr>
+          <a:p>
+            <a:endParaRPr b="1" lang="fr-FR" sz="2700" spc="-1" strike="noStrike">
+              <a:solidFill>
+                <a:srgbClr val="ffffff"/>
+              </a:solidFill>
+              <a:latin typeface="Source Sans Pro Black"/>
+            </a:endParaRPr>
+          </a:p>
+        </p:txBody>
+      </p:sp>
+      <p:sp>
+        <p:nvSpPr>
+          <p:cNvPr id="98" name="TextShape 2"/>
+          <p:cNvSpPr txBox="1"/>
+          <p:nvPr/>
+        </p:nvSpPr>
+        <p:spPr>
+          <a:xfrm>
+            <a:off x="360000" y="1485000"/>
+            <a:ext cx="9360720" cy="3780360"/>
+          </a:xfrm>
+          <a:prstGeom prst="rect">
+            <a:avLst/>
+          </a:prstGeom>
+          <a:noFill/>
+          <a:ln>
+            <a:noFill/>
+          </a:ln>
+        </p:spPr>
+        <p:txBody>
+          <a:bodyPr lIns="0" rIns="0" tIns="0" bIns="0">
+            <a:normAutofit/>
+          </a:bodyPr>
+          <a:p>
+            <a:endParaRPr b="1" lang="fr-FR" sz="2400" spc="-1" strike="noStrike">
+              <a:solidFill>
+                <a:srgbClr val="2c3e50"/>
+              </a:solidFill>
+              <a:latin typeface="Source Sans Pro Semibold"/>
+            </a:endParaRPr>
+          </a:p>
+        </p:txBody>
+      </p:sp>
     </p:spTree>
   </p:cSld>
   <mc:AlternateContent>
@@ -1889,4 +5302,230 @@
     </a:fmtScheme>
   </a:themeElements>
 </a:theme>
+</file>
+
+<file path=ppt/theme/theme2.xml><?xml version="1.0" encoding="utf-8"?>
+<a:theme xmlns:a="http://schemas.openxmlformats.org/drawingml/2006/main" name="Office Theme">
+  <a:themeElements>
+    <a:clrScheme name="Office">
+      <a:dk1>
+        <a:sysClr val="windowText" lastClr="000000"/>
+      </a:dk1>
+      <a:lt1>
+        <a:sysClr val="window" lastClr="FFFFFF"/>
+      </a:lt1>
+      <a:dk2>
+        <a:srgbClr val="000000"/>
+      </a:dk2>
+      <a:lt2>
+        <a:srgbClr val="808080"/>
+      </a:lt2>
+      <a:accent1>
+        <a:srgbClr val="bbe0e3"/>
+      </a:accent1>
+      <a:accent2>
+        <a:srgbClr val="333399"/>
+      </a:accent2>
+      <a:accent3>
+        <a:srgbClr val="ffffff"/>
+      </a:accent3>
+      <a:accent4>
+        <a:srgbClr val="000000"/>
+      </a:accent4>
+      <a:accent5>
+        <a:srgbClr val="daedef"/>
+      </a:accent5>
+      <a:accent6>
+        <a:srgbClr val="2d2d8a"/>
+      </a:accent6>
+      <a:hlink>
+        <a:srgbClr val="009999"/>
+      </a:hlink>
+      <a:folHlink>
+        <a:srgbClr val="99cc00"/>
+      </a:folHlink>
+    </a:clrScheme>
+    <a:fontScheme name="Office">
+      <a:majorFont>
+        <a:latin typeface="Arial"/>
+        <a:ea typeface="DejaVu Sans"/>
+        <a:cs typeface="DejaVu Sans"/>
+      </a:majorFont>
+      <a:minorFont>
+        <a:latin typeface="Arial"/>
+        <a:ea typeface="DejaVu Sans"/>
+        <a:cs typeface="DejaVu Sans"/>
+      </a:minorFont>
+    </a:fontScheme>
+    <a:fmtScheme name="Office">
+      <a:fillStyleLst>
+        <a:solidFill>
+          <a:schemeClr val="phClr"/>
+        </a:solidFill>
+        <a:gradFill rotWithShape="1">
+          <a:gsLst>
+            <a:gs pos="0">
+              <a:schemeClr val="phClr">
+                <a:tint val="50000"/>
+                <a:satMod val="300000"/>
+              </a:schemeClr>
+            </a:gs>
+            <a:gs pos="35000">
+              <a:schemeClr val="phClr">
+                <a:tint val="37000"/>
+                <a:satMod val="300000"/>
+              </a:schemeClr>
+            </a:gs>
+            <a:gs pos="100000">
+              <a:schemeClr val="phClr">
+                <a:tint val="15000"/>
+                <a:satMod val="350000"/>
+              </a:schemeClr>
+            </a:gs>
+          </a:gsLst>
+          <a:lin ang="16200000" scaled="1"/>
+        </a:gradFill>
+        <a:gradFill rotWithShape="1">
+          <a:gsLst>
+            <a:gs pos="0">
+              <a:schemeClr val="phClr">
+                <a:shade val="51000"/>
+                <a:satMod val="130000"/>
+              </a:schemeClr>
+            </a:gs>
+            <a:gs pos="80000">
+              <a:schemeClr val="phClr">
+                <a:shade val="93000"/>
+                <a:satMod val="130000"/>
+              </a:schemeClr>
+            </a:gs>
+            <a:gs pos="100000">
+              <a:schemeClr val="phClr">
+                <a:shade val="94000"/>
+                <a:satMod val="135000"/>
+              </a:schemeClr>
+            </a:gs>
+          </a:gsLst>
+          <a:lin ang="16200000" scaled="0"/>
+        </a:gradFill>
+      </a:fillStyleLst>
+      <a:lnStyleLst>
+        <a:ln w="9525" cap="flat" cmpd="sng" algn="ctr">
+          <a:solidFill>
+            <a:schemeClr val="phClr">
+              <a:shade val="95000"/>
+              <a:satMod val="105000"/>
+            </a:schemeClr>
+          </a:solidFill>
+          <a:prstDash val="solid"/>
+          <a:miter/>
+        </a:ln>
+        <a:ln w="25400" cap="flat" cmpd="sng" algn="ctr">
+          <a:solidFill>
+            <a:schemeClr val="phClr"/>
+          </a:solidFill>
+          <a:prstDash val="solid"/>
+          <a:miter/>
+        </a:ln>
+        <a:ln w="38100" cap="flat" cmpd="sng" algn="ctr">
+          <a:solidFill>
+            <a:schemeClr val="phClr"/>
+          </a:solidFill>
+          <a:prstDash val="solid"/>
+          <a:miter/>
+        </a:ln>
+      </a:lnStyleLst>
+      <a:effectStyleLst>
+        <a:effectStyle>
+          <a:effectLst>
+            <a:outerShdw blurRad="40000" dist="20000" dir="5400000" rotWithShape="0">
+              <a:srgbClr val="000000">
+                <a:alpha val="38000"/>
+              </a:srgbClr>
+            </a:outerShdw>
+          </a:effectLst>
+        </a:effectStyle>
+        <a:effectStyle>
+          <a:effectLst>
+            <a:outerShdw blurRad="40000" dist="23000" dir="5400000" rotWithShape="0">
+              <a:srgbClr val="000000">
+                <a:alpha val="35000"/>
+              </a:srgbClr>
+            </a:outerShdw>
+          </a:effectLst>
+        </a:effectStyle>
+        <a:effectStyle>
+          <a:effectLst>
+            <a:outerShdw blurRad="40000" dist="23000" dir="5400000" rotWithShape="0">
+              <a:srgbClr val="000000">
+                <a:alpha val="35000"/>
+              </a:srgbClr>
+            </a:outerShdw>
+          </a:effectLst>
+          <a:scene3d>
+            <a:camera prst="orthographicFront">
+              <a:rot lat="0" lon="0" rev="0"/>
+            </a:camera>
+            <a:lightRig rig="threePt" dir="t">
+              <a:rot lat="0" lon="0" rev="1200000"/>
+            </a:lightRig>
+          </a:scene3d>
+          <a:sp3d>
+            <a:bevelT w="63500" h="25400"/>
+          </a:sp3d>
+        </a:effectStyle>
+      </a:effectStyleLst>
+      <a:bgFillStyleLst>
+        <a:solidFill>
+          <a:schemeClr val="phClr"/>
+        </a:solidFill>
+        <a:gradFill rotWithShape="1">
+          <a:gsLst>
+            <a:gs pos="0">
+              <a:schemeClr val="phClr">
+                <a:tint val="40000"/>
+                <a:satMod val="350000"/>
+              </a:schemeClr>
+            </a:gs>
+            <a:gs pos="40000">
+              <a:schemeClr val="phClr">
+                <a:tint val="45000"/>
+                <a:shade val="99000"/>
+                <a:satMod val="350000"/>
+              </a:schemeClr>
+            </a:gs>
+            <a:gs pos="100000">
+              <a:schemeClr val="phClr">
+                <a:shade val="20000"/>
+                <a:satMod val="255000"/>
+              </a:schemeClr>
+            </a:gs>
+          </a:gsLst>
+          <a:path path="circle">
+            <a:fillToRect l="50000" t="-80000" r="50000" b="180000"/>
+          </a:path>
+        </a:gradFill>
+        <a:gradFill rotWithShape="1">
+          <a:gsLst>
+            <a:gs pos="0">
+              <a:schemeClr val="phClr">
+                <a:tint val="80000"/>
+                <a:satMod val="300000"/>
+              </a:schemeClr>
+            </a:gs>
+            <a:gs pos="100000">
+              <a:schemeClr val="phClr">
+                <a:shade val="30000"/>
+                <a:satMod val="200000"/>
+              </a:schemeClr>
+            </a:gs>
+          </a:gsLst>
+          <a:path path="circle">
+            <a:fillToRect l="50000" t="50000" r="50000" b="50000"/>
+          </a:path>
+        </a:gradFill>
+      </a:bgFillStyleLst>
+    </a:fmtScheme>
+  </a:themeElements>
+</a:theme>
 </file>